--- a/report/food/SCHEMA TOC Food  Agric.pptx
+++ b/report/food/SCHEMA TOC Food  Agric.pptx
@@ -15,17 +15,18 @@
     <p:sldId id="259" r:id="rId9"/>
     <p:sldId id="258" r:id="rId10"/>
     <p:sldId id="267" r:id="rId11"/>
-    <p:sldId id="280" r:id="rId12"/>
-    <p:sldId id="278" r:id="rId13"/>
-    <p:sldId id="279" r:id="rId14"/>
-    <p:sldId id="270" r:id="rId15"/>
-    <p:sldId id="277" r:id="rId16"/>
-    <p:sldId id="271" r:id="rId17"/>
-    <p:sldId id="272" r:id="rId18"/>
-    <p:sldId id="275" r:id="rId19"/>
-    <p:sldId id="273" r:id="rId20"/>
-    <p:sldId id="266" r:id="rId21"/>
-    <p:sldId id="257" r:id="rId22"/>
+    <p:sldId id="270" r:id="rId12"/>
+    <p:sldId id="277" r:id="rId13"/>
+    <p:sldId id="271" r:id="rId14"/>
+    <p:sldId id="272" r:id="rId15"/>
+    <p:sldId id="281" r:id="rId16"/>
+    <p:sldId id="275" r:id="rId17"/>
+    <p:sldId id="273" r:id="rId18"/>
+    <p:sldId id="266" r:id="rId19"/>
+    <p:sldId id="257" r:id="rId20"/>
+    <p:sldId id="280" r:id="rId21"/>
+    <p:sldId id="278" r:id="rId22"/>
+    <p:sldId id="279" r:id="rId23"/>
   </p:sldIdLst>
   <p:sldSz cx="12192000" cy="6858000"/>
   <p:notesSz cx="6858000" cy="9144000"/>
@@ -6000,7 +6001,7 @@
           <a:p>
             <a:fld id="{36C0D9FE-4463-4FE4-ABAF-0BC3587BD6D7}" type="datetimeFigureOut">
               <a:rPr lang="en-GB" smtClean="0"/>
-              <a:t>08/03/2024</a:t>
+              <a:t>19/03/2024</a:t>
             </a:fld>
             <a:endParaRPr lang="en-GB"/>
           </a:p>
@@ -6200,7 +6201,7 @@
           <a:p>
             <a:fld id="{36C0D9FE-4463-4FE4-ABAF-0BC3587BD6D7}" type="datetimeFigureOut">
               <a:rPr lang="en-GB" smtClean="0"/>
-              <a:t>08/03/2024</a:t>
+              <a:t>19/03/2024</a:t>
             </a:fld>
             <a:endParaRPr lang="en-GB"/>
           </a:p>
@@ -6410,7 +6411,7 @@
           <a:p>
             <a:fld id="{36C0D9FE-4463-4FE4-ABAF-0BC3587BD6D7}" type="datetimeFigureOut">
               <a:rPr lang="en-GB" smtClean="0"/>
-              <a:t>08/03/2024</a:t>
+              <a:t>19/03/2024</a:t>
             </a:fld>
             <a:endParaRPr lang="en-GB"/>
           </a:p>
@@ -6610,7 +6611,7 @@
           <a:p>
             <a:fld id="{36C0D9FE-4463-4FE4-ABAF-0BC3587BD6D7}" type="datetimeFigureOut">
               <a:rPr lang="en-GB" smtClean="0"/>
-              <a:t>08/03/2024</a:t>
+              <a:t>19/03/2024</a:t>
             </a:fld>
             <a:endParaRPr lang="en-GB"/>
           </a:p>
@@ -6886,7 +6887,7 @@
           <a:p>
             <a:fld id="{36C0D9FE-4463-4FE4-ABAF-0BC3587BD6D7}" type="datetimeFigureOut">
               <a:rPr lang="en-GB" smtClean="0"/>
-              <a:t>08/03/2024</a:t>
+              <a:t>19/03/2024</a:t>
             </a:fld>
             <a:endParaRPr lang="en-GB"/>
           </a:p>
@@ -7154,7 +7155,7 @@
           <a:p>
             <a:fld id="{36C0D9FE-4463-4FE4-ABAF-0BC3587BD6D7}" type="datetimeFigureOut">
               <a:rPr lang="en-GB" smtClean="0"/>
-              <a:t>08/03/2024</a:t>
+              <a:t>19/03/2024</a:t>
             </a:fld>
             <a:endParaRPr lang="en-GB"/>
           </a:p>
@@ -7569,7 +7570,7 @@
           <a:p>
             <a:fld id="{36C0D9FE-4463-4FE4-ABAF-0BC3587BD6D7}" type="datetimeFigureOut">
               <a:rPr lang="en-GB" smtClean="0"/>
-              <a:t>08/03/2024</a:t>
+              <a:t>19/03/2024</a:t>
             </a:fld>
             <a:endParaRPr lang="en-GB"/>
           </a:p>
@@ -7711,7 +7712,7 @@
           <a:p>
             <a:fld id="{36C0D9FE-4463-4FE4-ABAF-0BC3587BD6D7}" type="datetimeFigureOut">
               <a:rPr lang="en-GB" smtClean="0"/>
-              <a:t>08/03/2024</a:t>
+              <a:t>19/03/2024</a:t>
             </a:fld>
             <a:endParaRPr lang="en-GB"/>
           </a:p>
@@ -7824,7 +7825,7 @@
           <a:p>
             <a:fld id="{36C0D9FE-4463-4FE4-ABAF-0BC3587BD6D7}" type="datetimeFigureOut">
               <a:rPr lang="en-GB" smtClean="0"/>
-              <a:t>08/03/2024</a:t>
+              <a:t>19/03/2024</a:t>
             </a:fld>
             <a:endParaRPr lang="en-GB"/>
           </a:p>
@@ -8137,7 +8138,7 @@
           <a:p>
             <a:fld id="{36C0D9FE-4463-4FE4-ABAF-0BC3587BD6D7}" type="datetimeFigureOut">
               <a:rPr lang="en-GB" smtClean="0"/>
-              <a:t>08/03/2024</a:t>
+              <a:t>19/03/2024</a:t>
             </a:fld>
             <a:endParaRPr lang="en-GB"/>
           </a:p>
@@ -8426,7 +8427,7 @@
           <a:p>
             <a:fld id="{36C0D9FE-4463-4FE4-ABAF-0BC3587BD6D7}" type="datetimeFigureOut">
               <a:rPr lang="en-GB" smtClean="0"/>
-              <a:t>08/03/2024</a:t>
+              <a:t>19/03/2024</a:t>
             </a:fld>
             <a:endParaRPr lang="en-GB"/>
           </a:p>
@@ -8669,7 +8670,7 @@
           <a:p>
             <a:fld id="{36C0D9FE-4463-4FE4-ABAF-0BC3587BD6D7}" type="datetimeFigureOut">
               <a:rPr lang="en-GB" smtClean="0"/>
-              <a:t>08/03/2024</a:t>
+              <a:t>19/03/2024</a:t>
             </a:fld>
             <a:endParaRPr lang="en-GB"/>
           </a:p>
@@ -9621,9 +9622,10 @@
           </a:bodyPr>
           <a:lstStyle/>
           <a:p>
+            <a:pPr algn="ctr"/>
             <a:r>
               <a:rPr lang="en-150" dirty="0"/>
-              <a:t>Constraints</a:t>
+              <a:t>Needs</a:t>
             </a:r>
             <a:endParaRPr lang="en-GB" dirty="0"/>
           </a:p>
@@ -9803,291 +9805,6 @@
       </p:sp>
       <p:sp>
         <p:nvSpPr>
-          <p:cNvPr id="22" name="Rectangle: Rounded Corners 21">
-            <a:extLst>
-              <a:ext uri="{FF2B5EF4-FFF2-40B4-BE49-F238E27FC236}">
-                <a16:creationId xmlns:a16="http://schemas.microsoft.com/office/drawing/2014/main" id="{A067DE2A-8CFC-D6CE-6B25-88B0F291D709}"/>
-              </a:ext>
-            </a:extLst>
-          </p:cNvPr>
-          <p:cNvSpPr/>
-          <p:nvPr/>
-        </p:nvSpPr>
-        <p:spPr>
-          <a:xfrm>
-            <a:off x="5526148" y="1587320"/>
-            <a:ext cx="1630018" cy="755373"/>
-          </a:xfrm>
-          <a:prstGeom prst="roundRect">
-            <a:avLst/>
-          </a:prstGeom>
-          <a:solidFill>
-            <a:srgbClr val="007DBC"/>
-          </a:solidFill>
-          <a:ln>
-            <a:solidFill>
-              <a:schemeClr val="bg1"/>
-            </a:solidFill>
-          </a:ln>
-        </p:spPr>
-        <p:style>
-          <a:lnRef idx="2">
-            <a:schemeClr val="accent1">
-              <a:shade val="15000"/>
-            </a:schemeClr>
-          </a:lnRef>
-          <a:fillRef idx="1">
-            <a:schemeClr val="accent1"/>
-          </a:fillRef>
-          <a:effectRef idx="0">
-            <a:schemeClr val="accent1"/>
-          </a:effectRef>
-          <a:fontRef idx="minor">
-            <a:schemeClr val="lt1"/>
-          </a:fontRef>
-        </p:style>
-        <p:txBody>
-          <a:bodyPr rtlCol="0" anchor="ctr"/>
-          <a:lstStyle/>
-          <a:p>
-            <a:r>
-              <a:rPr lang="en-GB" sz="900" dirty="0"/>
-              <a:t>Adoption of Plans/Policies/Programmes or Technical Standards by National Entities</a:t>
-            </a:r>
-          </a:p>
-        </p:txBody>
-      </p:sp>
-      <p:sp>
-        <p:nvSpPr>
-          <p:cNvPr id="23" name="Rectangle: Rounded Corners 22">
-            <a:extLst>
-              <a:ext uri="{FF2B5EF4-FFF2-40B4-BE49-F238E27FC236}">
-                <a16:creationId xmlns:a16="http://schemas.microsoft.com/office/drawing/2014/main" id="{5355AA50-0A82-A3CB-9C65-D8CD4DCE8DA6}"/>
-              </a:ext>
-            </a:extLst>
-          </p:cNvPr>
-          <p:cNvSpPr/>
-          <p:nvPr/>
-        </p:nvSpPr>
-        <p:spPr>
-          <a:xfrm>
-            <a:off x="5526148" y="2413650"/>
-            <a:ext cx="1630018" cy="755373"/>
-          </a:xfrm>
-          <a:prstGeom prst="roundRect">
-            <a:avLst/>
-          </a:prstGeom>
-          <a:solidFill>
-            <a:srgbClr val="007DBC"/>
-          </a:solidFill>
-          <a:ln>
-            <a:solidFill>
-              <a:schemeClr val="bg1"/>
-            </a:solidFill>
-          </a:ln>
-        </p:spPr>
-        <p:style>
-          <a:lnRef idx="2">
-            <a:schemeClr val="accent1">
-              <a:shade val="15000"/>
-            </a:schemeClr>
-          </a:lnRef>
-          <a:fillRef idx="1">
-            <a:schemeClr val="accent1"/>
-          </a:fillRef>
-          <a:effectRef idx="0">
-            <a:schemeClr val="accent1"/>
-          </a:effectRef>
-          <a:fontRef idx="minor">
-            <a:schemeClr val="lt1"/>
-          </a:fontRef>
-        </p:style>
-        <p:txBody>
-          <a:bodyPr rtlCol="0" anchor="ctr"/>
-          <a:lstStyle/>
-          <a:p>
-            <a:r>
-              <a:rPr lang="en-GB" sz="900" dirty="0"/>
-              <a:t>Produce data to inform policies</a:t>
-            </a:r>
-          </a:p>
-        </p:txBody>
-      </p:sp>
-      <p:sp>
-        <p:nvSpPr>
-          <p:cNvPr id="24" name="Rectangle: Rounded Corners 23">
-            <a:extLst>
-              <a:ext uri="{FF2B5EF4-FFF2-40B4-BE49-F238E27FC236}">
-                <a16:creationId xmlns:a16="http://schemas.microsoft.com/office/drawing/2014/main" id="{C46243A0-749D-7041-BE16-DF7D4B0CD782}"/>
-              </a:ext>
-            </a:extLst>
-          </p:cNvPr>
-          <p:cNvSpPr/>
-          <p:nvPr/>
-        </p:nvSpPr>
-        <p:spPr>
-          <a:xfrm>
-            <a:off x="5526148" y="3239980"/>
-            <a:ext cx="1630018" cy="755373"/>
-          </a:xfrm>
-          <a:prstGeom prst="roundRect">
-            <a:avLst/>
-          </a:prstGeom>
-          <a:solidFill>
-            <a:srgbClr val="007DBC"/>
-          </a:solidFill>
-          <a:ln>
-            <a:solidFill>
-              <a:schemeClr val="bg1"/>
-            </a:solidFill>
-          </a:ln>
-        </p:spPr>
-        <p:style>
-          <a:lnRef idx="2">
-            <a:schemeClr val="accent1">
-              <a:shade val="15000"/>
-            </a:schemeClr>
-          </a:lnRef>
-          <a:fillRef idx="1">
-            <a:schemeClr val="accent1"/>
-          </a:fillRef>
-          <a:effectRef idx="0">
-            <a:schemeClr val="accent1"/>
-          </a:effectRef>
-          <a:fontRef idx="minor">
-            <a:schemeClr val="lt1"/>
-          </a:fontRef>
-        </p:style>
-        <p:txBody>
-          <a:bodyPr rtlCol="0" anchor="ctr"/>
-          <a:lstStyle/>
-          <a:p>
-            <a:r>
-              <a:rPr lang="en-GB" sz="900" dirty="0"/>
-              <a:t>Develop regulatory frameworks / new technical guidelines</a:t>
-            </a:r>
-          </a:p>
-        </p:txBody>
-      </p:sp>
-      <p:sp>
-        <p:nvSpPr>
-          <p:cNvPr id="25" name="Rectangle: Rounded Corners 24">
-            <a:extLst>
-              <a:ext uri="{FF2B5EF4-FFF2-40B4-BE49-F238E27FC236}">
-                <a16:creationId xmlns:a16="http://schemas.microsoft.com/office/drawing/2014/main" id="{5D9DB42F-FAEF-780D-A6FD-D0C53008CE83}"/>
-              </a:ext>
-            </a:extLst>
-          </p:cNvPr>
-          <p:cNvSpPr/>
-          <p:nvPr/>
-        </p:nvSpPr>
-        <p:spPr>
-          <a:xfrm>
-            <a:off x="5526148" y="4066310"/>
-            <a:ext cx="1630018" cy="755373"/>
-          </a:xfrm>
-          <a:prstGeom prst="roundRect">
-            <a:avLst/>
-          </a:prstGeom>
-          <a:solidFill>
-            <a:srgbClr val="007DBC"/>
-          </a:solidFill>
-          <a:ln>
-            <a:solidFill>
-              <a:schemeClr val="bg1"/>
-            </a:solidFill>
-          </a:ln>
-        </p:spPr>
-        <p:style>
-          <a:lnRef idx="2">
-            <a:schemeClr val="accent1">
-              <a:shade val="15000"/>
-            </a:schemeClr>
-          </a:lnRef>
-          <a:fillRef idx="1">
-            <a:schemeClr val="accent1"/>
-          </a:fillRef>
-          <a:effectRef idx="0">
-            <a:schemeClr val="accent1"/>
-          </a:effectRef>
-          <a:fontRef idx="minor">
-            <a:schemeClr val="lt1"/>
-          </a:fontRef>
-        </p:style>
-        <p:txBody>
-          <a:bodyPr rtlCol="0" anchor="ctr"/>
-          <a:lstStyle/>
-          <a:p>
-            <a:r>
-              <a:rPr lang="en-GB" sz="900" dirty="0"/>
-              <a:t>Upgraded institutions/laboratories/educational/</a:t>
-            </a:r>
-            <a:r>
-              <a:rPr lang="en-GB" sz="900" dirty="0" err="1"/>
-              <a:t>centers</a:t>
-            </a:r>
-            <a:endParaRPr lang="en-GB" sz="900" dirty="0"/>
-          </a:p>
-        </p:txBody>
-      </p:sp>
-      <p:sp>
-        <p:nvSpPr>
-          <p:cNvPr id="27" name="Rectangle: Rounded Corners 26">
-            <a:extLst>
-              <a:ext uri="{FF2B5EF4-FFF2-40B4-BE49-F238E27FC236}">
-                <a16:creationId xmlns:a16="http://schemas.microsoft.com/office/drawing/2014/main" id="{8A949DC0-B9A5-6FCB-D6E0-CD49A8869F43}"/>
-              </a:ext>
-            </a:extLst>
-          </p:cNvPr>
-          <p:cNvSpPr/>
-          <p:nvPr/>
-        </p:nvSpPr>
-        <p:spPr>
-          <a:xfrm>
-            <a:off x="5516494" y="4892993"/>
-            <a:ext cx="1630018" cy="755373"/>
-          </a:xfrm>
-          <a:prstGeom prst="roundRect">
-            <a:avLst/>
-          </a:prstGeom>
-          <a:solidFill>
-            <a:srgbClr val="007DBC"/>
-          </a:solidFill>
-          <a:ln>
-            <a:solidFill>
-              <a:schemeClr val="bg1"/>
-            </a:solidFill>
-          </a:ln>
-        </p:spPr>
-        <p:style>
-          <a:lnRef idx="2">
-            <a:schemeClr val="accent1">
-              <a:shade val="15000"/>
-            </a:schemeClr>
-          </a:lnRef>
-          <a:fillRef idx="1">
-            <a:schemeClr val="accent1"/>
-          </a:fillRef>
-          <a:effectRef idx="0">
-            <a:schemeClr val="accent1"/>
-          </a:effectRef>
-          <a:fontRef idx="minor">
-            <a:schemeClr val="lt1"/>
-          </a:fontRef>
-        </p:style>
-        <p:txBody>
-          <a:bodyPr rtlCol="0" anchor="ctr"/>
-          <a:lstStyle/>
-          <a:p>
-            <a:r>
-              <a:rPr lang="en-GB" sz="900" dirty="0"/>
-              <a:t>Curricula in new professions</a:t>
-            </a:r>
-          </a:p>
-        </p:txBody>
-      </p:sp>
-      <p:sp>
-        <p:nvSpPr>
           <p:cNvPr id="28" name="TextBox 27">
             <a:extLst>
               <a:ext uri="{FF2B5EF4-FFF2-40B4-BE49-F238E27FC236}">
@@ -10100,8 +9817,8 @@
         </p:nvSpPr>
         <p:spPr>
           <a:xfrm>
-            <a:off x="5178299" y="955179"/>
-            <a:ext cx="2667649" cy="369332"/>
+            <a:off x="5211075" y="787329"/>
+            <a:ext cx="2667649" cy="646331"/>
           </a:xfrm>
           <a:prstGeom prst="rect">
             <a:avLst/>
@@ -10114,9 +9831,17 @@
           </a:bodyPr>
           <a:lstStyle/>
           <a:p>
+            <a:pPr algn="ctr"/>
             <a:r>
               <a:rPr lang="en-150" dirty="0"/>
               <a:t>Intermediate Outcomes</a:t>
+            </a:r>
+          </a:p>
+          <a:p>
+            <a:pPr algn="ctr"/>
+            <a:r>
+              <a:rPr lang="en-150" dirty="0"/>
+              <a:t>(EFFECTIVENESS)</a:t>
             </a:r>
             <a:endParaRPr lang="en-GB" dirty="0"/>
           </a:p>
@@ -10212,8 +9937,8 @@
         </p:nvSpPr>
         <p:spPr>
           <a:xfrm>
-            <a:off x="7700079" y="3842184"/>
-            <a:ext cx="4407676" cy="2534599"/>
+            <a:off x="7659088" y="3880877"/>
+            <a:ext cx="4407676" cy="1997105"/>
           </a:xfrm>
           <a:prstGeom prst="rect">
             <a:avLst/>
@@ -10252,13 +9977,112 @@
               <a:buChar char="•"/>
             </a:pPr>
             <a:r>
+              <a:rPr lang="en-GB" sz="900" b="0" i="0" dirty="0">
+                <a:effectLst/>
+                <a:latin typeface="Google Sans"/>
+              </a:rPr>
+              <a:t>Increased use of a new technology/tool or technique in a specific sector</a:t>
+            </a:r>
+            <a:endParaRPr lang="en-150" sz="900" b="0" i="0" dirty="0">
+              <a:effectLst/>
+              <a:latin typeface="Google Sans"/>
+            </a:endParaRPr>
+          </a:p>
+          <a:p>
+            <a:pPr marL="285750" indent="-285750">
+              <a:buFont typeface="Arial" panose="020B0604020202020204" pitchFamily="34" charset="0"/>
+              <a:buChar char="•"/>
+            </a:pPr>
+            <a:endParaRPr lang="en-150" sz="900" b="0" i="0" dirty="0">
+              <a:effectLst/>
+              <a:latin typeface="Google Sans"/>
+            </a:endParaRPr>
+          </a:p>
+          <a:p>
+            <a:pPr marL="285750" indent="-285750">
+              <a:buFont typeface="Arial" panose="020B0604020202020204" pitchFamily="34" charset="0"/>
+              <a:buChar char="•"/>
+            </a:pPr>
+            <a:r>
+              <a:rPr lang="en-GB" sz="900" dirty="0"/>
+              <a:t>Adoption of Plans/Policies/Programmes or Technical Standards by National Entities</a:t>
+            </a:r>
+            <a:endParaRPr lang="en-150" sz="900" dirty="0"/>
+          </a:p>
+          <a:p>
+            <a:pPr marL="285750" indent="-285750">
+              <a:buFont typeface="Arial" panose="020B0604020202020204" pitchFamily="34" charset="0"/>
+              <a:buChar char="•"/>
+            </a:pPr>
+            <a:endParaRPr lang="en-150" sz="900" dirty="0">
+              <a:latin typeface="Google Sans"/>
+            </a:endParaRPr>
+          </a:p>
+          <a:p>
+            <a:pPr marL="285750" indent="-285750">
+              <a:buFont typeface="Arial" panose="020B0604020202020204" pitchFamily="34" charset="0"/>
+              <a:buChar char="•"/>
+            </a:pPr>
+            <a:r>
               <a:rPr lang="en-150" sz="900" dirty="0">
-                <a:solidFill>
-                  <a:schemeClr val="bg1"/>
-                </a:solidFill>
+                <a:latin typeface="Google Sans"/>
               </a:rPr>
-              <a:t>Standardization and procedures in alignment with international practices applied</a:t>
-            </a:r>
+              <a:t>Use of data to inform regulatory</a:t>
+            </a:r>
+          </a:p>
+          <a:p>
+            <a:pPr marL="285750" indent="-285750">
+              <a:buFont typeface="Arial" panose="020B0604020202020204" pitchFamily="34" charset="0"/>
+              <a:buChar char="•"/>
+            </a:pPr>
+            <a:endParaRPr lang="en-150" sz="900" b="0" i="0" dirty="0">
+              <a:effectLst/>
+              <a:latin typeface="Google Sans"/>
+            </a:endParaRPr>
+          </a:p>
+          <a:p>
+            <a:pPr marL="285750" indent="-285750">
+              <a:buFont typeface="Arial" panose="020B0604020202020204" pitchFamily="34" charset="0"/>
+              <a:buChar char="•"/>
+            </a:pPr>
+            <a:r>
+              <a:rPr lang="en-GB" sz="900" b="0" i="0" dirty="0">
+                <a:effectLst/>
+                <a:latin typeface="Google Sans"/>
+              </a:rPr>
+              <a:t>Creation of new Institution/ Laboratory/Education Centres</a:t>
+            </a:r>
+            <a:endParaRPr lang="en-150" sz="900" b="0" i="0" dirty="0">
+              <a:effectLst/>
+              <a:latin typeface="Google Sans"/>
+            </a:endParaRPr>
+          </a:p>
+          <a:p>
+            <a:pPr marL="285750" indent="-285750">
+              <a:buFont typeface="Arial" panose="020B0604020202020204" pitchFamily="34" charset="0"/>
+              <a:buChar char="•"/>
+            </a:pPr>
+            <a:endParaRPr lang="en-150" sz="900" b="0" i="0" dirty="0">
+              <a:effectLst/>
+              <a:latin typeface="Google Sans"/>
+            </a:endParaRPr>
+          </a:p>
+          <a:p>
+            <a:pPr marL="285750" indent="-285750">
+              <a:buFont typeface="Arial" panose="020B0604020202020204" pitchFamily="34" charset="0"/>
+              <a:buChar char="•"/>
+            </a:pPr>
+            <a:r>
+              <a:rPr lang="en-GB" sz="900" b="0" i="0" dirty="0">
+                <a:effectLst/>
+                <a:latin typeface="Google Sans"/>
+              </a:rPr>
+              <a:t>New profession recognized/ More professionals in the workforce</a:t>
+            </a:r>
+            <a:endParaRPr lang="en-150" sz="900" b="0" i="0" dirty="0">
+              <a:effectLst/>
+              <a:latin typeface="Google Sans"/>
+            </a:endParaRPr>
           </a:p>
           <a:p>
             <a:pPr marL="285750" indent="-285750">
@@ -10271,202 +10095,6 @@
               </a:solidFill>
             </a:endParaRPr>
           </a:p>
-          <a:p>
-            <a:pPr marL="285750" indent="-285750">
-              <a:buFont typeface="Arial" panose="020B0604020202020204" pitchFamily="34" charset="0"/>
-              <a:buChar char="•"/>
-            </a:pPr>
-            <a:r>
-              <a:rPr lang="en-GB" sz="900" b="0" i="0" dirty="0">
-                <a:solidFill>
-                  <a:schemeClr val="bg1"/>
-                </a:solidFill>
-                <a:effectLst/>
-                <a:latin typeface="Google Sans"/>
-              </a:rPr>
-              <a:t>Development of national or regional education programmes</a:t>
-            </a:r>
-            <a:endParaRPr lang="en-150" sz="900" b="0" i="0" dirty="0">
-              <a:solidFill>
-                <a:schemeClr val="bg1"/>
-              </a:solidFill>
-              <a:effectLst/>
-              <a:latin typeface="Google Sans"/>
-            </a:endParaRPr>
-          </a:p>
-          <a:p>
-            <a:pPr marL="285750" indent="-285750">
-              <a:buFont typeface="Arial" panose="020B0604020202020204" pitchFamily="34" charset="0"/>
-              <a:buChar char="•"/>
-            </a:pPr>
-            <a:endParaRPr lang="en-150" sz="900" dirty="0">
-              <a:solidFill>
-                <a:schemeClr val="bg1"/>
-              </a:solidFill>
-              <a:latin typeface="Google Sans"/>
-            </a:endParaRPr>
-          </a:p>
-          <a:p>
-            <a:pPr marL="285750" indent="-285750">
-              <a:buFont typeface="Arial" panose="020B0604020202020204" pitchFamily="34" charset="0"/>
-              <a:buChar char="•"/>
-            </a:pPr>
-            <a:r>
-              <a:rPr lang="en-GB" sz="900" b="0" i="0" dirty="0">
-                <a:solidFill>
-                  <a:schemeClr val="bg1"/>
-                </a:solidFill>
-                <a:effectLst/>
-                <a:latin typeface="Google Sans"/>
-              </a:rPr>
-              <a:t>Increased use of a new technology/tool or technique in a specific sector</a:t>
-            </a:r>
-            <a:endParaRPr lang="en-150" sz="900" b="0" i="0" dirty="0">
-              <a:solidFill>
-                <a:schemeClr val="bg1"/>
-              </a:solidFill>
-              <a:effectLst/>
-              <a:latin typeface="Google Sans"/>
-            </a:endParaRPr>
-          </a:p>
-          <a:p>
-            <a:pPr marL="285750" indent="-285750">
-              <a:buFont typeface="Arial" panose="020B0604020202020204" pitchFamily="34" charset="0"/>
-              <a:buChar char="•"/>
-            </a:pPr>
-            <a:endParaRPr lang="en-150" sz="900" dirty="0">
-              <a:solidFill>
-                <a:schemeClr val="bg1"/>
-              </a:solidFill>
-              <a:latin typeface="Google Sans"/>
-            </a:endParaRPr>
-          </a:p>
-          <a:p>
-            <a:pPr marL="285750" indent="-285750">
-              <a:buFont typeface="Arial" panose="020B0604020202020204" pitchFamily="34" charset="0"/>
-              <a:buChar char="•"/>
-            </a:pPr>
-            <a:r>
-              <a:rPr lang="en-GB" sz="900" b="0" i="0" dirty="0">
-                <a:solidFill>
-                  <a:schemeClr val="bg1"/>
-                </a:solidFill>
-                <a:effectLst/>
-                <a:latin typeface="Google Sans"/>
-              </a:rPr>
-              <a:t>National programmes promoting new technology</a:t>
-            </a:r>
-            <a:endParaRPr lang="en-150" sz="900" b="0" i="0" dirty="0">
-              <a:solidFill>
-                <a:schemeClr val="bg1"/>
-              </a:solidFill>
-              <a:effectLst/>
-              <a:latin typeface="Google Sans"/>
-            </a:endParaRPr>
-          </a:p>
-          <a:p>
-            <a:pPr marL="285750" indent="-285750">
-              <a:buFont typeface="Arial" panose="020B0604020202020204" pitchFamily="34" charset="0"/>
-              <a:buChar char="•"/>
-            </a:pPr>
-            <a:endParaRPr lang="en-150" sz="900" dirty="0">
-              <a:solidFill>
-                <a:schemeClr val="bg1"/>
-              </a:solidFill>
-              <a:latin typeface="Google Sans"/>
-            </a:endParaRPr>
-          </a:p>
-          <a:p>
-            <a:pPr marL="285750" indent="-285750">
-              <a:buFont typeface="Arial" panose="020B0604020202020204" pitchFamily="34" charset="0"/>
-              <a:buChar char="•"/>
-            </a:pPr>
-            <a:r>
-              <a:rPr lang="en-GB" sz="900" b="0" i="0" dirty="0">
-                <a:solidFill>
-                  <a:schemeClr val="bg1"/>
-                </a:solidFill>
-                <a:effectLst/>
-                <a:latin typeface="Google Sans"/>
-              </a:rPr>
-              <a:t>Creation of new Institution/ Laboratory/Education Centres</a:t>
-            </a:r>
-            <a:endParaRPr lang="en-150" sz="900" b="0" i="0" dirty="0">
-              <a:solidFill>
-                <a:schemeClr val="bg1"/>
-              </a:solidFill>
-              <a:effectLst/>
-              <a:latin typeface="Google Sans"/>
-            </a:endParaRPr>
-          </a:p>
-          <a:p>
-            <a:pPr marL="285750" indent="-285750">
-              <a:buFont typeface="Arial" panose="020B0604020202020204" pitchFamily="34" charset="0"/>
-              <a:buChar char="•"/>
-            </a:pPr>
-            <a:endParaRPr lang="en-150" sz="900" dirty="0">
-              <a:solidFill>
-                <a:schemeClr val="bg1"/>
-              </a:solidFill>
-              <a:latin typeface="Google Sans"/>
-            </a:endParaRPr>
-          </a:p>
-          <a:p>
-            <a:pPr marL="285750" indent="-285750">
-              <a:buFont typeface="Arial" panose="020B0604020202020204" pitchFamily="34" charset="0"/>
-              <a:buChar char="•"/>
-            </a:pPr>
-            <a:r>
-              <a:rPr lang="en-GB" sz="900" b="0" i="0" dirty="0">
-                <a:solidFill>
-                  <a:schemeClr val="bg1"/>
-                </a:solidFill>
-                <a:effectLst/>
-                <a:latin typeface="Google Sans"/>
-              </a:rPr>
-              <a:t>Improve Technical Standards in a specific sector/entities</a:t>
-            </a:r>
-            <a:endParaRPr lang="en-150" sz="900" b="0" i="0" dirty="0">
-              <a:solidFill>
-                <a:schemeClr val="bg1"/>
-              </a:solidFill>
-              <a:effectLst/>
-              <a:latin typeface="Google Sans"/>
-            </a:endParaRPr>
-          </a:p>
-          <a:p>
-            <a:pPr marL="285750" indent="-285750">
-              <a:buFont typeface="Arial" panose="020B0604020202020204" pitchFamily="34" charset="0"/>
-              <a:buChar char="•"/>
-            </a:pPr>
-            <a:endParaRPr lang="en-150" sz="900" dirty="0">
-              <a:solidFill>
-                <a:schemeClr val="bg1"/>
-              </a:solidFill>
-              <a:latin typeface="Google Sans"/>
-            </a:endParaRPr>
-          </a:p>
-          <a:p>
-            <a:pPr marL="285750" indent="-285750">
-              <a:buFont typeface="Arial" panose="020B0604020202020204" pitchFamily="34" charset="0"/>
-              <a:buChar char="•"/>
-            </a:pPr>
-            <a:r>
-              <a:rPr lang="en-GB" sz="900" b="0" i="0" dirty="0">
-                <a:solidFill>
-                  <a:schemeClr val="bg1"/>
-                </a:solidFill>
-                <a:effectLst/>
-                <a:latin typeface="Google Sans"/>
-              </a:rPr>
-              <a:t>New profession recognized/ More professionals in the workforce</a:t>
-            </a:r>
-            <a:endParaRPr lang="en-150" sz="900" dirty="0">
-              <a:solidFill>
-                <a:schemeClr val="bg1"/>
-              </a:solidFill>
-            </a:endParaRPr>
-          </a:p>
         </p:txBody>
       </p:sp>
       <p:sp>
@@ -10483,8 +10111,8 @@
         </p:nvSpPr>
         <p:spPr>
           <a:xfrm>
-            <a:off x="7595477" y="2870648"/>
-            <a:ext cx="4407675" cy="369332"/>
+            <a:off x="7593596" y="2786671"/>
+            <a:ext cx="4407675" cy="646331"/>
           </a:xfrm>
           <a:prstGeom prst="rect">
             <a:avLst/>
@@ -10501,6 +10129,13 @@
             <a:r>
               <a:rPr lang="en-150" dirty="0"/>
               <a:t>Outcomes</a:t>
+            </a:r>
+          </a:p>
+          <a:p>
+            <a:pPr algn="ctr"/>
+            <a:r>
+              <a:rPr lang="en-150" dirty="0"/>
+              <a:t>(SUSTAINABILITY)</a:t>
             </a:r>
             <a:endParaRPr lang="en-GB" dirty="0"/>
           </a:p>
@@ -11388,10 +11023,10 @@
       </p:sp>
       <p:sp>
         <p:nvSpPr>
-          <p:cNvPr id="15" name="Rectangle: Rounded Corners 14">
-            <a:extLst>
-              <a:ext uri="{FF2B5EF4-FFF2-40B4-BE49-F238E27FC236}">
-                <a16:creationId xmlns:a16="http://schemas.microsoft.com/office/drawing/2014/main" id="{F52616A5-7092-03F7-A493-884243C11DDC}"/>
+          <p:cNvPr id="33" name="Rectangle: Rounded Corners 32">
+            <a:extLst>
+              <a:ext uri="{FF2B5EF4-FFF2-40B4-BE49-F238E27FC236}">
+                <a16:creationId xmlns:a16="http://schemas.microsoft.com/office/drawing/2014/main" id="{229DE82F-5E9E-E9BE-512E-7E2B820FAA53}"/>
               </a:ext>
             </a:extLst>
           </p:cNvPr>
@@ -11400,7 +11035,7 @@
         </p:nvSpPr>
         <p:spPr>
           <a:xfrm>
-            <a:off x="5526148" y="5715586"/>
+            <a:off x="5792944" y="3576113"/>
             <a:ext cx="1630018" cy="755373"/>
           </a:xfrm>
           <a:prstGeom prst="roundRect">
@@ -11437,7 +11072,252 @@
           <a:p>
             <a:r>
               <a:rPr lang="en-150" sz="900" dirty="0"/>
-              <a:t>Introduce new technologies</a:t>
+              <a:t>* </a:t>
+            </a:r>
+            <a:r>
+              <a:rPr lang="en-GB" sz="900" dirty="0"/>
+              <a:t>Produce data to inform policies</a:t>
+            </a:r>
+          </a:p>
+        </p:txBody>
+      </p:sp>
+      <p:sp>
+        <p:nvSpPr>
+          <p:cNvPr id="35" name="Rectangle: Rounded Corners 34">
+            <a:extLst>
+              <a:ext uri="{FF2B5EF4-FFF2-40B4-BE49-F238E27FC236}">
+                <a16:creationId xmlns:a16="http://schemas.microsoft.com/office/drawing/2014/main" id="{FF48376E-20C1-018D-E47C-40CDA69662B7}"/>
+              </a:ext>
+            </a:extLst>
+          </p:cNvPr>
+          <p:cNvSpPr/>
+          <p:nvPr/>
+        </p:nvSpPr>
+        <p:spPr>
+          <a:xfrm>
+            <a:off x="5821519" y="2719054"/>
+            <a:ext cx="1630018" cy="755373"/>
+          </a:xfrm>
+          <a:prstGeom prst="roundRect">
+            <a:avLst/>
+          </a:prstGeom>
+          <a:solidFill>
+            <a:srgbClr val="007DBC"/>
+          </a:solidFill>
+          <a:ln>
+            <a:solidFill>
+              <a:schemeClr val="bg1"/>
+            </a:solidFill>
+          </a:ln>
+        </p:spPr>
+        <p:style>
+          <a:lnRef idx="2">
+            <a:schemeClr val="accent1">
+              <a:shade val="15000"/>
+            </a:schemeClr>
+          </a:lnRef>
+          <a:fillRef idx="1">
+            <a:schemeClr val="accent1"/>
+          </a:fillRef>
+          <a:effectRef idx="0">
+            <a:schemeClr val="accent1"/>
+          </a:effectRef>
+          <a:fontRef idx="minor">
+            <a:schemeClr val="lt1"/>
+          </a:fontRef>
+        </p:style>
+        <p:txBody>
+          <a:bodyPr rtlCol="0" anchor="ctr"/>
+          <a:lstStyle/>
+          <a:p>
+            <a:r>
+              <a:rPr lang="en-150" sz="900" dirty="0"/>
+              <a:t>* </a:t>
+            </a:r>
+            <a:r>
+              <a:rPr lang="en-GB" sz="900" dirty="0"/>
+              <a:t>Develop regulatory frameworks / new technical guidelines</a:t>
+            </a:r>
+          </a:p>
+        </p:txBody>
+      </p:sp>
+      <p:sp>
+        <p:nvSpPr>
+          <p:cNvPr id="36" name="Rectangle: Rounded Corners 35">
+            <a:extLst>
+              <a:ext uri="{FF2B5EF4-FFF2-40B4-BE49-F238E27FC236}">
+                <a16:creationId xmlns:a16="http://schemas.microsoft.com/office/drawing/2014/main" id="{F69DC9DE-112A-E06C-2C12-A2F7361BFC16}"/>
+              </a:ext>
+            </a:extLst>
+          </p:cNvPr>
+          <p:cNvSpPr/>
+          <p:nvPr/>
+        </p:nvSpPr>
+        <p:spPr>
+          <a:xfrm>
+            <a:off x="5796926" y="4590598"/>
+            <a:ext cx="1630018" cy="755373"/>
+          </a:xfrm>
+          <a:prstGeom prst="roundRect">
+            <a:avLst/>
+          </a:prstGeom>
+          <a:solidFill>
+            <a:srgbClr val="007DBC"/>
+          </a:solidFill>
+          <a:ln>
+            <a:solidFill>
+              <a:schemeClr val="bg1"/>
+            </a:solidFill>
+          </a:ln>
+        </p:spPr>
+        <p:style>
+          <a:lnRef idx="2">
+            <a:schemeClr val="accent1">
+              <a:shade val="15000"/>
+            </a:schemeClr>
+          </a:lnRef>
+          <a:fillRef idx="1">
+            <a:schemeClr val="accent1"/>
+          </a:fillRef>
+          <a:effectRef idx="0">
+            <a:schemeClr val="accent1"/>
+          </a:effectRef>
+          <a:fontRef idx="minor">
+            <a:schemeClr val="lt1"/>
+          </a:fontRef>
+        </p:style>
+        <p:txBody>
+          <a:bodyPr rtlCol="0" anchor="ctr"/>
+          <a:lstStyle/>
+          <a:p>
+            <a:r>
+              <a:rPr lang="en-150" sz="900" dirty="0"/>
+              <a:t>* </a:t>
+            </a:r>
+            <a:r>
+              <a:rPr lang="en-GB" sz="900" dirty="0"/>
+              <a:t>Upgraded institutions/laboratories/educational/</a:t>
+            </a:r>
+            <a:r>
+              <a:rPr lang="en-GB" sz="900" dirty="0" err="1"/>
+              <a:t>centers</a:t>
+            </a:r>
+            <a:endParaRPr lang="en-GB" sz="900" dirty="0"/>
+          </a:p>
+        </p:txBody>
+      </p:sp>
+      <p:sp>
+        <p:nvSpPr>
+          <p:cNvPr id="37" name="Rectangle: Rounded Corners 36">
+            <a:extLst>
+              <a:ext uri="{FF2B5EF4-FFF2-40B4-BE49-F238E27FC236}">
+                <a16:creationId xmlns:a16="http://schemas.microsoft.com/office/drawing/2014/main" id="{6910F8FD-7432-B21F-ED31-DC474AC36A7B}"/>
+              </a:ext>
+            </a:extLst>
+          </p:cNvPr>
+          <p:cNvSpPr/>
+          <p:nvPr/>
+        </p:nvSpPr>
+        <p:spPr>
+          <a:xfrm>
+            <a:off x="5754715" y="5522056"/>
+            <a:ext cx="1630018" cy="755373"/>
+          </a:xfrm>
+          <a:prstGeom prst="roundRect">
+            <a:avLst/>
+          </a:prstGeom>
+          <a:solidFill>
+            <a:srgbClr val="007DBC"/>
+          </a:solidFill>
+          <a:ln>
+            <a:solidFill>
+              <a:schemeClr val="bg1"/>
+            </a:solidFill>
+          </a:ln>
+        </p:spPr>
+        <p:style>
+          <a:lnRef idx="2">
+            <a:schemeClr val="accent1">
+              <a:shade val="15000"/>
+            </a:schemeClr>
+          </a:lnRef>
+          <a:fillRef idx="1">
+            <a:schemeClr val="accent1"/>
+          </a:fillRef>
+          <a:effectRef idx="0">
+            <a:schemeClr val="accent1"/>
+          </a:effectRef>
+          <a:fontRef idx="minor">
+            <a:schemeClr val="lt1"/>
+          </a:fontRef>
+        </p:style>
+        <p:txBody>
+          <a:bodyPr rtlCol="0" anchor="ctr"/>
+          <a:lstStyle/>
+          <a:p>
+            <a:r>
+              <a:rPr lang="en-150" sz="900" dirty="0"/>
+              <a:t>* </a:t>
+            </a:r>
+            <a:r>
+              <a:rPr lang="en-GB" sz="900" dirty="0"/>
+              <a:t>Curricula in new professions</a:t>
+            </a:r>
+          </a:p>
+        </p:txBody>
+      </p:sp>
+      <p:sp>
+        <p:nvSpPr>
+          <p:cNvPr id="46" name="Rectangle: Rounded Corners 45">
+            <a:extLst>
+              <a:ext uri="{FF2B5EF4-FFF2-40B4-BE49-F238E27FC236}">
+                <a16:creationId xmlns:a16="http://schemas.microsoft.com/office/drawing/2014/main" id="{7D2A1C3A-5CF2-5F2D-569F-A476F9B4D818}"/>
+              </a:ext>
+            </a:extLst>
+          </p:cNvPr>
+          <p:cNvSpPr/>
+          <p:nvPr/>
+        </p:nvSpPr>
+        <p:spPr>
+          <a:xfrm>
+            <a:off x="5818858" y="1811666"/>
+            <a:ext cx="1630018" cy="755373"/>
+          </a:xfrm>
+          <a:prstGeom prst="roundRect">
+            <a:avLst/>
+          </a:prstGeom>
+          <a:solidFill>
+            <a:srgbClr val="007DBC"/>
+          </a:solidFill>
+          <a:ln>
+            <a:solidFill>
+              <a:schemeClr val="bg1"/>
+            </a:solidFill>
+          </a:ln>
+        </p:spPr>
+        <p:style>
+          <a:lnRef idx="2">
+            <a:schemeClr val="accent1">
+              <a:shade val="15000"/>
+            </a:schemeClr>
+          </a:lnRef>
+          <a:fillRef idx="1">
+            <a:schemeClr val="accent1"/>
+          </a:fillRef>
+          <a:effectRef idx="0">
+            <a:schemeClr val="accent1"/>
+          </a:effectRef>
+          <a:fontRef idx="minor">
+            <a:schemeClr val="lt1"/>
+          </a:fontRef>
+        </p:style>
+        <p:txBody>
+          <a:bodyPr rtlCol="0" anchor="ctr"/>
+          <a:lstStyle/>
+          <a:p>
+            <a:r>
+              <a:rPr lang="en-150" sz="900" dirty="0"/>
+              <a:t>*Introduce new technologies</a:t>
             </a:r>
             <a:endParaRPr lang="en-GB" sz="900" dirty="0"/>
           </a:p>
@@ -11457,504 +11337,6 @@
 </file>
 
 <file path=ppt/slides/slide11.xml><?xml version="1.0" encoding="utf-8"?>
-<p:sld xmlns:a="http://schemas.openxmlformats.org/drawingml/2006/main" xmlns:r="http://schemas.openxmlformats.org/officeDocument/2006/relationships" xmlns:p="http://schemas.openxmlformats.org/presentationml/2006/main">
-  <p:cSld>
-    <p:spTree>
-      <p:nvGrpSpPr>
-        <p:cNvPr id="1" name=""/>
-        <p:cNvGrpSpPr/>
-        <p:nvPr/>
-      </p:nvGrpSpPr>
-      <p:grpSpPr>
-        <a:xfrm>
-          <a:off x="0" y="0"/>
-          <a:ext cx="0" cy="0"/>
-          <a:chOff x="0" y="0"/>
-          <a:chExt cx="0" cy="0"/>
-        </a:xfrm>
-      </p:grpSpPr>
-      <p:sp>
-        <p:nvSpPr>
-          <p:cNvPr id="2" name="Title 1">
-            <a:extLst>
-              <a:ext uri="{FF2B5EF4-FFF2-40B4-BE49-F238E27FC236}">
-                <a16:creationId xmlns:a16="http://schemas.microsoft.com/office/drawing/2014/main" id="{4979F251-428A-A1E8-3DAD-C76762EE43C0}"/>
-              </a:ext>
-            </a:extLst>
-          </p:cNvPr>
-          <p:cNvSpPr>
-            <a:spLocks noGrp="1"/>
-          </p:cNvSpPr>
-          <p:nvPr>
-            <p:ph type="title"/>
-          </p:nvPr>
-        </p:nvSpPr>
-        <p:spPr/>
-        <p:txBody>
-          <a:bodyPr/>
-          <a:lstStyle/>
-          <a:p>
-            <a:r>
-              <a:rPr lang="en-150" dirty="0"/>
-              <a:t>What is the challenge?</a:t>
-            </a:r>
-            <a:endParaRPr lang="en-GB" dirty="0"/>
-          </a:p>
-        </p:txBody>
-      </p:sp>
-      <p:sp>
-        <p:nvSpPr>
-          <p:cNvPr id="3" name="Content Placeholder 2">
-            <a:extLst>
-              <a:ext uri="{FF2B5EF4-FFF2-40B4-BE49-F238E27FC236}">
-                <a16:creationId xmlns:a16="http://schemas.microsoft.com/office/drawing/2014/main" id="{A3746C6E-4101-D3CC-2EC9-ABF6A567CF4D}"/>
-              </a:ext>
-            </a:extLst>
-          </p:cNvPr>
-          <p:cNvSpPr>
-            <a:spLocks noGrp="1"/>
-          </p:cNvSpPr>
-          <p:nvPr>
-            <p:ph idx="1"/>
-          </p:nvPr>
-        </p:nvSpPr>
-        <p:spPr>
-          <a:xfrm>
-            <a:off x="2152650" y="1825625"/>
-            <a:ext cx="7886700" cy="4667249"/>
-          </a:xfrm>
-        </p:spPr>
-        <p:txBody>
-          <a:bodyPr>
-            <a:normAutofit lnSpcReduction="10000"/>
-          </a:bodyPr>
-          <a:lstStyle/>
-          <a:p>
-            <a:r>
-              <a:rPr lang="en-150" sz="1800" dirty="0"/>
-              <a:t>FOAs have changed names over time.</a:t>
-            </a:r>
-          </a:p>
-          <a:p>
-            <a:pPr marL="0" indent="0">
-              <a:buNone/>
-            </a:pPr>
-            <a:endParaRPr lang="en-150" sz="1800" dirty="0"/>
-          </a:p>
-          <a:p>
-            <a:r>
-              <a:rPr lang="en-150" sz="1800" dirty="0"/>
-              <a:t>FOAs are named differently across data collection tools: Sometimes, questions were phrased refer</a:t>
-            </a:r>
-            <a:r>
-              <a:rPr lang="en-GB" sz="1800" dirty="0"/>
-              <a:t>r</a:t>
-            </a:r>
-            <a:r>
-              <a:rPr lang="en-150" sz="1800" dirty="0" err="1"/>
-              <a:t>ing</a:t>
-            </a:r>
-            <a:r>
-              <a:rPr lang="en-150" sz="1800" dirty="0"/>
-              <a:t> to a technology or to an improvement. </a:t>
-            </a:r>
-          </a:p>
-          <a:p>
-            <a:endParaRPr lang="en-150" sz="1800" dirty="0"/>
-          </a:p>
-          <a:p>
-            <a:r>
-              <a:rPr lang="en-150" sz="1800" dirty="0"/>
-              <a:t>If the data is to be comparable across instruments, and if the analysis is expected to conduct aggregations, a mapping should be conducted.</a:t>
-            </a:r>
-          </a:p>
-          <a:p>
-            <a:endParaRPr lang="en-150" sz="1800" dirty="0"/>
-          </a:p>
-          <a:p>
-            <a:pPr marL="0" indent="0">
-              <a:buNone/>
-            </a:pPr>
-            <a:r>
-              <a:rPr lang="en-150" sz="1800" dirty="0"/>
-              <a:t>*Remember. T</a:t>
-            </a:r>
-            <a:r>
-              <a:rPr lang="en-GB" sz="1800" dirty="0"/>
-              <a:t>h</a:t>
-            </a:r>
-            <a:r>
-              <a:rPr lang="en-150" sz="1800" dirty="0"/>
-              <a:t>ere are 4 main data sources used for the analysis:</a:t>
-            </a:r>
-          </a:p>
-          <a:p>
-            <a:pPr marL="0" indent="0">
-              <a:buNone/>
-            </a:pPr>
-            <a:endParaRPr lang="en-150" sz="1800" dirty="0"/>
-          </a:p>
-          <a:p>
-            <a:pPr marL="342900" indent="-342900">
-              <a:buAutoNum type="arabicPeriod"/>
-            </a:pPr>
-            <a:r>
-              <a:rPr lang="en-150" sz="1800" dirty="0"/>
-              <a:t>Historical list of projects supported</a:t>
-            </a:r>
-          </a:p>
-          <a:p>
-            <a:pPr marL="342900" indent="-342900">
-              <a:buAutoNum type="arabicPeriod"/>
-            </a:pPr>
-            <a:r>
-              <a:rPr lang="en-150" sz="1800" dirty="0"/>
-              <a:t>NLO 1</a:t>
-            </a:r>
-          </a:p>
-          <a:p>
-            <a:pPr marL="342900" indent="-342900">
-              <a:buAutoNum type="arabicPeriod"/>
-            </a:pPr>
-            <a:r>
-              <a:rPr lang="en-150" sz="1800" dirty="0"/>
-              <a:t>NLO 2</a:t>
-            </a:r>
-          </a:p>
-          <a:p>
-            <a:pPr marL="342900" indent="-342900">
-              <a:buAutoNum type="arabicPeriod"/>
-            </a:pPr>
-            <a:r>
-              <a:rPr lang="en-150" sz="1800" dirty="0"/>
-              <a:t>CP</a:t>
-            </a:r>
-          </a:p>
-          <a:p>
-            <a:pPr marL="0" indent="0">
-              <a:buNone/>
-            </a:pPr>
-            <a:endParaRPr lang="en-GB" sz="1800" dirty="0"/>
-          </a:p>
-        </p:txBody>
-      </p:sp>
-    </p:spTree>
-    <p:extLst>
-      <p:ext uri="{BB962C8B-B14F-4D97-AF65-F5344CB8AC3E}">
-        <p14:creationId xmlns:p14="http://schemas.microsoft.com/office/powerpoint/2010/main" val="3211934527"/>
-      </p:ext>
-    </p:extLst>
-  </p:cSld>
-  <p:clrMapOvr>
-    <a:masterClrMapping/>
-  </p:clrMapOvr>
-</p:sld>
-</file>
-
-<file path=ppt/slides/slide12.xml><?xml version="1.0" encoding="utf-8"?>
-<p:sld xmlns:a="http://schemas.openxmlformats.org/drawingml/2006/main" xmlns:r="http://schemas.openxmlformats.org/officeDocument/2006/relationships" xmlns:p="http://schemas.openxmlformats.org/presentationml/2006/main">
-  <p:cSld>
-    <p:spTree>
-      <p:nvGrpSpPr>
-        <p:cNvPr id="1" name="">
-          <a:extLst>
-            <a:ext uri="{FF2B5EF4-FFF2-40B4-BE49-F238E27FC236}">
-              <a16:creationId xmlns:a16="http://schemas.microsoft.com/office/drawing/2014/main" id="{85FC07AC-A5EC-FA6A-7084-69CA77706EA0}"/>
-            </a:ext>
-          </a:extLst>
-        </p:cNvPr>
-        <p:cNvGrpSpPr/>
-        <p:nvPr/>
-      </p:nvGrpSpPr>
-      <p:grpSpPr>
-        <a:xfrm>
-          <a:off x="0" y="0"/>
-          <a:ext cx="0" cy="0"/>
-          <a:chOff x="0" y="0"/>
-          <a:chExt cx="0" cy="0"/>
-        </a:xfrm>
-      </p:grpSpPr>
-      <p:sp>
-        <p:nvSpPr>
-          <p:cNvPr id="2" name="Title 1">
-            <a:extLst>
-              <a:ext uri="{FF2B5EF4-FFF2-40B4-BE49-F238E27FC236}">
-                <a16:creationId xmlns:a16="http://schemas.microsoft.com/office/drawing/2014/main" id="{F3403D08-9DD2-448D-4840-D1D9B285877F}"/>
-              </a:ext>
-            </a:extLst>
-          </p:cNvPr>
-          <p:cNvSpPr>
-            <a:spLocks noGrp="1"/>
-          </p:cNvSpPr>
-          <p:nvPr>
-            <p:ph type="title"/>
-          </p:nvPr>
-        </p:nvSpPr>
-        <p:spPr/>
-        <p:txBody>
-          <a:bodyPr/>
-          <a:lstStyle/>
-          <a:p>
-            <a:r>
-              <a:rPr lang="en-150" dirty="0"/>
-              <a:t>Result from data mapping</a:t>
-            </a:r>
-            <a:endParaRPr lang="en-GB" dirty="0"/>
-          </a:p>
-        </p:txBody>
-      </p:sp>
-      <p:sp>
-        <p:nvSpPr>
-          <p:cNvPr id="7" name="Content Placeholder 6">
-            <a:extLst>
-              <a:ext uri="{FF2B5EF4-FFF2-40B4-BE49-F238E27FC236}">
-                <a16:creationId xmlns:a16="http://schemas.microsoft.com/office/drawing/2014/main" id="{F615B1D6-7267-D49D-215E-DA12CEC45C4B}"/>
-              </a:ext>
-            </a:extLst>
-          </p:cNvPr>
-          <p:cNvSpPr>
-            <a:spLocks noGrp="1"/>
-          </p:cNvSpPr>
-          <p:nvPr>
-            <p:ph idx="1"/>
-          </p:nvPr>
-        </p:nvSpPr>
-        <p:spPr>
-          <a:xfrm>
-            <a:off x="2152650" y="1825625"/>
-            <a:ext cx="7886700" cy="1689932"/>
-          </a:xfrm>
-        </p:spPr>
-        <p:txBody>
-          <a:bodyPr/>
-          <a:lstStyle/>
-          <a:p>
-            <a:pPr marL="0" indent="0">
-              <a:buNone/>
-            </a:pPr>
-            <a:r>
-              <a:rPr lang="en-150" dirty="0"/>
-              <a:t>33 FOAs </a:t>
-            </a:r>
-            <a:r>
-              <a:rPr lang="en-150" dirty="0">
-                <a:sym typeface="Wingdings" panose="05000000000000000000" pitchFamily="2" charset="2"/>
-              </a:rPr>
-              <a:t> 22 Improvements  16 impacts</a:t>
-            </a:r>
-            <a:endParaRPr lang="en-GB" dirty="0"/>
-          </a:p>
-        </p:txBody>
-      </p:sp>
-    </p:spTree>
-    <p:extLst>
-      <p:ext uri="{BB962C8B-B14F-4D97-AF65-F5344CB8AC3E}">
-        <p14:creationId xmlns:p14="http://schemas.microsoft.com/office/powerpoint/2010/main" val="3296806011"/>
-      </p:ext>
-    </p:extLst>
-  </p:cSld>
-  <p:clrMapOvr>
-    <a:masterClrMapping/>
-  </p:clrMapOvr>
-</p:sld>
-</file>
-
-<file path=ppt/slides/slide13.xml><?xml version="1.0" encoding="utf-8"?>
-<p:sld xmlns:a="http://schemas.openxmlformats.org/drawingml/2006/main" xmlns:r="http://schemas.openxmlformats.org/officeDocument/2006/relationships" xmlns:p="http://schemas.openxmlformats.org/presentationml/2006/main">
-  <p:cSld>
-    <p:spTree>
-      <p:nvGrpSpPr>
-        <p:cNvPr id="1" name=""/>
-        <p:cNvGrpSpPr/>
-        <p:nvPr/>
-      </p:nvGrpSpPr>
-      <p:grpSpPr>
-        <a:xfrm>
-          <a:off x="0" y="0"/>
-          <a:ext cx="0" cy="0"/>
-          <a:chOff x="0" y="0"/>
-          <a:chExt cx="0" cy="0"/>
-        </a:xfrm>
-      </p:grpSpPr>
-      <p:sp>
-        <p:nvSpPr>
-          <p:cNvPr id="2" name="Title 1">
-            <a:extLst>
-              <a:ext uri="{FF2B5EF4-FFF2-40B4-BE49-F238E27FC236}">
-                <a16:creationId xmlns:a16="http://schemas.microsoft.com/office/drawing/2014/main" id="{4979F251-428A-A1E8-3DAD-C76762EE43C0}"/>
-              </a:ext>
-            </a:extLst>
-          </p:cNvPr>
-          <p:cNvSpPr>
-            <a:spLocks noGrp="1"/>
-          </p:cNvSpPr>
-          <p:nvPr>
-            <p:ph type="title"/>
-          </p:nvPr>
-        </p:nvSpPr>
-        <p:spPr/>
-        <p:txBody>
-          <a:bodyPr/>
-          <a:lstStyle/>
-          <a:p>
-            <a:r>
-              <a:rPr lang="en-150" dirty="0"/>
-              <a:t>What is the challenge?</a:t>
-            </a:r>
-            <a:endParaRPr lang="en-GB" dirty="0"/>
-          </a:p>
-        </p:txBody>
-      </p:sp>
-      <p:sp>
-        <p:nvSpPr>
-          <p:cNvPr id="3" name="Content Placeholder 2">
-            <a:extLst>
-              <a:ext uri="{FF2B5EF4-FFF2-40B4-BE49-F238E27FC236}">
-                <a16:creationId xmlns:a16="http://schemas.microsoft.com/office/drawing/2014/main" id="{A3746C6E-4101-D3CC-2EC9-ABF6A567CF4D}"/>
-              </a:ext>
-            </a:extLst>
-          </p:cNvPr>
-          <p:cNvSpPr>
-            <a:spLocks noGrp="1"/>
-          </p:cNvSpPr>
-          <p:nvPr>
-            <p:ph idx="1"/>
-          </p:nvPr>
-        </p:nvSpPr>
-        <p:spPr>
-          <a:xfrm>
-            <a:off x="2152650" y="1825625"/>
-            <a:ext cx="7886700" cy="4667249"/>
-          </a:xfrm>
-        </p:spPr>
-        <p:txBody>
-          <a:bodyPr>
-            <a:normAutofit lnSpcReduction="10000"/>
-          </a:bodyPr>
-          <a:lstStyle/>
-          <a:p>
-            <a:r>
-              <a:rPr lang="en-150" sz="1800" dirty="0"/>
-              <a:t>FOAs have changed names over time.</a:t>
-            </a:r>
-          </a:p>
-          <a:p>
-            <a:pPr marL="0" indent="0">
-              <a:buNone/>
-            </a:pPr>
-            <a:endParaRPr lang="en-150" sz="1800" dirty="0"/>
-          </a:p>
-          <a:p>
-            <a:r>
-              <a:rPr lang="en-150" sz="1800" dirty="0"/>
-              <a:t>FOAs are named differently across data collection tools: Sometimes, questions were phrased refer</a:t>
-            </a:r>
-            <a:r>
-              <a:rPr lang="en-GB" sz="1800" dirty="0"/>
-              <a:t>r</a:t>
-            </a:r>
-            <a:r>
-              <a:rPr lang="en-150" sz="1800" dirty="0" err="1"/>
-              <a:t>ing</a:t>
-            </a:r>
-            <a:r>
-              <a:rPr lang="en-150" sz="1800" dirty="0"/>
-              <a:t> to a technology or to an improvement. </a:t>
-            </a:r>
-          </a:p>
-          <a:p>
-            <a:endParaRPr lang="en-150" sz="1800" dirty="0"/>
-          </a:p>
-          <a:p>
-            <a:r>
-              <a:rPr lang="en-150" sz="1800" dirty="0"/>
-              <a:t>If the data is to be comparable across instruments, and if the analysis is expected to conduct aggregations, a mapping should be conducted.</a:t>
-            </a:r>
-          </a:p>
-          <a:p>
-            <a:endParaRPr lang="en-150" sz="1800" dirty="0"/>
-          </a:p>
-          <a:p>
-            <a:pPr marL="0" indent="0">
-              <a:buNone/>
-            </a:pPr>
-            <a:r>
-              <a:rPr lang="en-150" sz="1800" dirty="0"/>
-              <a:t>*Remember. T</a:t>
-            </a:r>
-            <a:r>
-              <a:rPr lang="en-GB" sz="1800" dirty="0"/>
-              <a:t>h</a:t>
-            </a:r>
-            <a:r>
-              <a:rPr lang="en-150" sz="1800" dirty="0"/>
-              <a:t>ere are 4 main data sources used for the analysis:</a:t>
-            </a:r>
-          </a:p>
-          <a:p>
-            <a:pPr marL="0" indent="0">
-              <a:buNone/>
-            </a:pPr>
-            <a:endParaRPr lang="en-150" sz="1800" dirty="0"/>
-          </a:p>
-          <a:p>
-            <a:pPr marL="342900" indent="-342900">
-              <a:buAutoNum type="arabicPeriod"/>
-            </a:pPr>
-            <a:r>
-              <a:rPr lang="en-150" sz="1800" dirty="0"/>
-              <a:t>Historical list of projects supported</a:t>
-            </a:r>
-          </a:p>
-          <a:p>
-            <a:pPr marL="342900" indent="-342900">
-              <a:buAutoNum type="arabicPeriod"/>
-            </a:pPr>
-            <a:r>
-              <a:rPr lang="en-150" sz="1800" dirty="0"/>
-              <a:t>NLO 1</a:t>
-            </a:r>
-          </a:p>
-          <a:p>
-            <a:pPr marL="342900" indent="-342900">
-              <a:buAutoNum type="arabicPeriod"/>
-            </a:pPr>
-            <a:r>
-              <a:rPr lang="en-150" sz="1800" dirty="0"/>
-              <a:t>NLO 2</a:t>
-            </a:r>
-          </a:p>
-          <a:p>
-            <a:pPr marL="342900" indent="-342900">
-              <a:buAutoNum type="arabicPeriod"/>
-            </a:pPr>
-            <a:r>
-              <a:rPr lang="en-150" sz="1800" dirty="0"/>
-              <a:t>CP</a:t>
-            </a:r>
-          </a:p>
-          <a:p>
-            <a:pPr marL="0" indent="0">
-              <a:buNone/>
-            </a:pPr>
-            <a:endParaRPr lang="en-GB" sz="1800" dirty="0"/>
-          </a:p>
-        </p:txBody>
-      </p:sp>
-    </p:spTree>
-    <p:extLst>
-      <p:ext uri="{BB962C8B-B14F-4D97-AF65-F5344CB8AC3E}">
-        <p14:creationId xmlns:p14="http://schemas.microsoft.com/office/powerpoint/2010/main" val="4066522602"/>
-      </p:ext>
-    </p:extLst>
-  </p:cSld>
-  <p:clrMapOvr>
-    <a:masterClrMapping/>
-  </p:clrMapOvr>
-</p:sld>
-</file>
-
-<file path=ppt/slides/slide14.xml><?xml version="1.0" encoding="utf-8"?>
 <p:sld xmlns:a="http://schemas.openxmlformats.org/drawingml/2006/main" xmlns:r="http://schemas.openxmlformats.org/officeDocument/2006/relationships" xmlns:p="http://schemas.openxmlformats.org/presentationml/2006/main">
   <p:cSld>
     <p:spTree>
@@ -12544,7 +11926,7 @@
 </p:sld>
 </file>
 
-<file path=ppt/slides/slide15.xml><?xml version="1.0" encoding="utf-8"?>
+<file path=ppt/slides/slide12.xml><?xml version="1.0" encoding="utf-8"?>
 <p:sld xmlns:a="http://schemas.openxmlformats.org/drawingml/2006/main" xmlns:r="http://schemas.openxmlformats.org/officeDocument/2006/relationships" xmlns:p="http://schemas.openxmlformats.org/presentationml/2006/main">
   <p:cSld>
     <p:spTree>
@@ -12663,7 +12045,7 @@
 </p:sld>
 </file>
 
-<file path=ppt/slides/slide16.xml><?xml version="1.0" encoding="utf-8"?>
+<file path=ppt/slides/slide13.xml><?xml version="1.0" encoding="utf-8"?>
 <p:sld xmlns:a="http://schemas.openxmlformats.org/drawingml/2006/main" xmlns:r="http://schemas.openxmlformats.org/officeDocument/2006/relationships" xmlns:p="http://schemas.openxmlformats.org/presentationml/2006/main">
   <p:cSld>
     <p:spTree>
@@ -13008,7 +12390,7 @@
 </p:sld>
 </file>
 
-<file path=ppt/slides/slide17.xml><?xml version="1.0" encoding="utf-8"?>
+<file path=ppt/slides/slide14.xml><?xml version="1.0" encoding="utf-8"?>
 <p:sld xmlns:a="http://schemas.openxmlformats.org/drawingml/2006/main" xmlns:r="http://schemas.openxmlformats.org/officeDocument/2006/relationships" xmlns:p="http://schemas.openxmlformats.org/presentationml/2006/main">
   <p:cSld>
     <p:spTree>
@@ -13154,10 +12536,186 @@
       </p:sp>
       <p:sp>
         <p:nvSpPr>
+          <p:cNvPr id="9" name="TextBox 8">
+            <a:extLst>
+              <a:ext uri="{FF2B5EF4-FFF2-40B4-BE49-F238E27FC236}">
+                <a16:creationId xmlns:a16="http://schemas.microsoft.com/office/drawing/2014/main" id="{BCD310FD-BE9E-0032-912D-6C4A82CF298A}"/>
+              </a:ext>
+            </a:extLst>
+          </p:cNvPr>
+          <p:cNvSpPr txBox="1"/>
+          <p:nvPr/>
+        </p:nvSpPr>
+        <p:spPr>
+          <a:xfrm>
+            <a:off x="544156" y="1416818"/>
+            <a:ext cx="2667649" cy="369332"/>
+          </a:xfrm>
+          <a:prstGeom prst="rect">
+            <a:avLst/>
+          </a:prstGeom>
+          <a:noFill/>
+        </p:spPr>
+        <p:txBody>
+          <a:bodyPr wrap="square" rtlCol="0">
+            <a:spAutoFit/>
+          </a:bodyPr>
+          <a:lstStyle/>
+          <a:p>
+            <a:r>
+              <a:rPr lang="en-150" dirty="0"/>
+              <a:t>Intermediate Outcomes</a:t>
+            </a:r>
+            <a:endParaRPr lang="en-GB" dirty="0"/>
+          </a:p>
+        </p:txBody>
+      </p:sp>
+      <p:sp>
+        <p:nvSpPr>
+          <p:cNvPr id="10" name="TextBox 9">
+            <a:extLst>
+              <a:ext uri="{FF2B5EF4-FFF2-40B4-BE49-F238E27FC236}">
+                <a16:creationId xmlns:a16="http://schemas.microsoft.com/office/drawing/2014/main" id="{5D578002-2907-89BA-17BF-FEE3609722F3}"/>
+              </a:ext>
+            </a:extLst>
+          </p:cNvPr>
+          <p:cNvSpPr txBox="1"/>
+          <p:nvPr/>
+        </p:nvSpPr>
+        <p:spPr>
+          <a:xfrm>
+            <a:off x="548424" y="1772869"/>
+            <a:ext cx="2890296" cy="230832"/>
+          </a:xfrm>
+          <a:prstGeom prst="rect">
+            <a:avLst/>
+          </a:prstGeom>
+          <a:noFill/>
+        </p:spPr>
+        <p:txBody>
+          <a:bodyPr wrap="square">
+            <a:spAutoFit/>
+          </a:bodyPr>
+          <a:lstStyle/>
+          <a:p>
+            <a:r>
+              <a:rPr lang="en-150" sz="900" b="1" dirty="0">
+                <a:solidFill>
+                  <a:srgbClr val="007DBC"/>
+                </a:solidFill>
+              </a:rPr>
+              <a:t>I</a:t>
+            </a:r>
+            <a:r>
+              <a:rPr lang="en-GB" sz="900" b="1" dirty="0" err="1">
+                <a:solidFill>
+                  <a:srgbClr val="007DBC"/>
+                </a:solidFill>
+              </a:rPr>
+              <a:t>ndication</a:t>
+            </a:r>
+            <a:r>
+              <a:rPr lang="en-GB" sz="900" b="1" dirty="0">
+                <a:solidFill>
+                  <a:srgbClr val="007DBC"/>
+                </a:solidFill>
+              </a:rPr>
+              <a:t> of initial uptake by</a:t>
+            </a:r>
+            <a:r>
+              <a:rPr lang="en-150" sz="900" b="1" dirty="0">
+                <a:solidFill>
+                  <a:srgbClr val="007DBC"/>
+                </a:solidFill>
+              </a:rPr>
+              <a:t> </a:t>
+            </a:r>
+            <a:r>
+              <a:rPr lang="en-GB" sz="900" b="1" dirty="0">
+                <a:solidFill>
+                  <a:srgbClr val="007DBC"/>
+                </a:solidFill>
+              </a:rPr>
+              <a:t>programme stakeholders</a:t>
+            </a:r>
+            <a:endParaRPr lang="en-GB" sz="900" dirty="0">
+              <a:solidFill>
+                <a:srgbClr val="007DBC"/>
+              </a:solidFill>
+            </a:endParaRPr>
+          </a:p>
+        </p:txBody>
+      </p:sp>
+      <p:sp>
+        <p:nvSpPr>
+          <p:cNvPr id="15" name="TextBox 14">
+            <a:extLst>
+              <a:ext uri="{FF2B5EF4-FFF2-40B4-BE49-F238E27FC236}">
+                <a16:creationId xmlns:a16="http://schemas.microsoft.com/office/drawing/2014/main" id="{F9828E6E-7B4F-6442-EEF4-06AF7B7F2634}"/>
+              </a:ext>
+            </a:extLst>
+          </p:cNvPr>
+          <p:cNvSpPr txBox="1"/>
+          <p:nvPr/>
+        </p:nvSpPr>
+        <p:spPr>
+          <a:xfrm>
+            <a:off x="3542548" y="3363008"/>
+            <a:ext cx="7315200" cy="1200329"/>
+          </a:xfrm>
+          <a:prstGeom prst="rect">
+            <a:avLst/>
+          </a:prstGeom>
+          <a:noFill/>
+        </p:spPr>
+        <p:txBody>
+          <a:bodyPr wrap="square" rtlCol="0">
+            <a:spAutoFit/>
+          </a:bodyPr>
+          <a:lstStyle/>
+          <a:p>
+            <a:r>
+              <a:rPr lang="en-150" b="1" dirty="0"/>
+              <a:t>* </a:t>
+            </a:r>
+            <a:r>
+              <a:rPr lang="es-ES" b="1" dirty="0" err="1"/>
+              <a:t>From</a:t>
+            </a:r>
+            <a:r>
+              <a:rPr lang="es-ES" b="1" dirty="0"/>
+              <a:t> </a:t>
+            </a:r>
+            <a:r>
+              <a:rPr lang="en-150" b="1" dirty="0"/>
+              <a:t>NLO 1 (Effectiveness):</a:t>
+            </a:r>
+          </a:p>
+          <a:p>
+            <a:pPr marL="285750" indent="-285750">
+              <a:buFont typeface="Arial" panose="020B0604020202020204" pitchFamily="34" charset="0"/>
+              <a:buChar char="•"/>
+            </a:pPr>
+            <a:endParaRPr lang="en-150" dirty="0"/>
+          </a:p>
+          <a:p>
+            <a:pPr marL="285750" indent="-285750">
+              <a:buFont typeface="Arial" panose="020B0604020202020204" pitchFamily="34" charset="0"/>
+              <a:buChar char="•"/>
+            </a:pPr>
+            <a:r>
+              <a:rPr lang="en-GB" dirty="0"/>
+              <a:t>Please indicate the estimated time range when the improvements introduced by TC programme in each area were achieved in your country.</a:t>
+            </a:r>
+          </a:p>
+        </p:txBody>
+      </p:sp>
+      <p:sp>
+        <p:nvSpPr>
           <p:cNvPr id="4" name="Rectangle: Rounded Corners 3">
             <a:extLst>
               <a:ext uri="{FF2B5EF4-FFF2-40B4-BE49-F238E27FC236}">
-                <a16:creationId xmlns:a16="http://schemas.microsoft.com/office/drawing/2014/main" id="{47140AF1-C9C8-D3C3-865B-8B81F52C4F55}"/>
+                <a16:creationId xmlns:a16="http://schemas.microsoft.com/office/drawing/2014/main" id="{E7CA1E45-800E-A8E5-BFEC-6C98B81EFC41}"/>
               </a:ext>
             </a:extLst>
           </p:cNvPr>
@@ -13166,7 +12724,7 @@
         </p:nvSpPr>
         <p:spPr>
           <a:xfrm>
-            <a:off x="892005" y="1899495"/>
+            <a:off x="920580" y="3911395"/>
             <a:ext cx="1630018" cy="755373"/>
           </a:xfrm>
           <a:prstGeom prst="roundRect">
@@ -13202,18 +12760,22 @@
           <a:lstStyle/>
           <a:p>
             <a:r>
+              <a:rPr lang="en-150" sz="900" dirty="0"/>
+              <a:t>* </a:t>
+            </a:r>
+            <a:r>
               <a:rPr lang="en-GB" sz="900" dirty="0"/>
-              <a:t>Adoption of Plans/Policies/Programmes or Technical Standards by National Entities</a:t>
+              <a:t>Produce data to inform policies</a:t>
             </a:r>
           </a:p>
         </p:txBody>
       </p:sp>
       <p:sp>
         <p:nvSpPr>
-          <p:cNvPr id="5" name="Rectangle: Rounded Corners 4">
-            <a:extLst>
-              <a:ext uri="{FF2B5EF4-FFF2-40B4-BE49-F238E27FC236}">
-                <a16:creationId xmlns:a16="http://schemas.microsoft.com/office/drawing/2014/main" id="{86C84159-3E35-E946-EC84-2C72DAAF94B6}"/>
+          <p:cNvPr id="12" name="Rectangle: Rounded Corners 11">
+            <a:extLst>
+              <a:ext uri="{FF2B5EF4-FFF2-40B4-BE49-F238E27FC236}">
+                <a16:creationId xmlns:a16="http://schemas.microsoft.com/office/drawing/2014/main" id="{DB82D48C-4FE5-9EF8-DA31-0390B6788023}"/>
               </a:ext>
             </a:extLst>
           </p:cNvPr>
@@ -13222,7 +12784,7 @@
         </p:nvSpPr>
         <p:spPr>
           <a:xfrm>
-            <a:off x="892005" y="2725825"/>
+            <a:off x="949155" y="3054336"/>
             <a:ext cx="1630018" cy="755373"/>
           </a:xfrm>
           <a:prstGeom prst="roundRect">
@@ -13263,17 +12825,17 @@
             </a:r>
             <a:r>
               <a:rPr lang="en-GB" sz="900" dirty="0"/>
-              <a:t>Produce data to inform policies</a:t>
+              <a:t>Develop regulatory frameworks / new technical guidelines</a:t>
             </a:r>
           </a:p>
         </p:txBody>
       </p:sp>
       <p:sp>
         <p:nvSpPr>
-          <p:cNvPr id="6" name="Rectangle: Rounded Corners 5">
-            <a:extLst>
-              <a:ext uri="{FF2B5EF4-FFF2-40B4-BE49-F238E27FC236}">
-                <a16:creationId xmlns:a16="http://schemas.microsoft.com/office/drawing/2014/main" id="{A947D3F5-EFF1-A955-0B9B-7BCAE0EAF8CF}"/>
+          <p:cNvPr id="13" name="Rectangle: Rounded Corners 12">
+            <a:extLst>
+              <a:ext uri="{FF2B5EF4-FFF2-40B4-BE49-F238E27FC236}">
+                <a16:creationId xmlns:a16="http://schemas.microsoft.com/office/drawing/2014/main" id="{88787AC0-1A2A-24A6-3E38-A98065394363}"/>
               </a:ext>
             </a:extLst>
           </p:cNvPr>
@@ -13282,7 +12844,7 @@
         </p:nvSpPr>
         <p:spPr>
           <a:xfrm>
-            <a:off x="892005" y="3552155"/>
+            <a:off x="924562" y="4925880"/>
             <a:ext cx="1630018" cy="755373"/>
           </a:xfrm>
           <a:prstGeom prst="roundRect">
@@ -13323,17 +12885,22 @@
             </a:r>
             <a:r>
               <a:rPr lang="en-GB" sz="900" dirty="0"/>
-              <a:t>Develop regulatory frameworks / new technical guidelines</a:t>
-            </a:r>
+              <a:t>Upgraded institutions/laboratories/educational/</a:t>
+            </a:r>
+            <a:r>
+              <a:rPr lang="en-GB" sz="900" dirty="0" err="1"/>
+              <a:t>centers</a:t>
+            </a:r>
+            <a:endParaRPr lang="en-GB" sz="900" dirty="0"/>
           </a:p>
         </p:txBody>
       </p:sp>
       <p:sp>
         <p:nvSpPr>
-          <p:cNvPr id="7" name="Rectangle: Rounded Corners 6">
-            <a:extLst>
-              <a:ext uri="{FF2B5EF4-FFF2-40B4-BE49-F238E27FC236}">
-                <a16:creationId xmlns:a16="http://schemas.microsoft.com/office/drawing/2014/main" id="{970B5E18-8461-5BBF-4D53-B5D429136A34}"/>
+          <p:cNvPr id="14" name="Rectangle: Rounded Corners 13">
+            <a:extLst>
+              <a:ext uri="{FF2B5EF4-FFF2-40B4-BE49-F238E27FC236}">
+                <a16:creationId xmlns:a16="http://schemas.microsoft.com/office/drawing/2014/main" id="{D8D31DBB-7FA5-0151-855B-03D68AFB7350}"/>
               </a:ext>
             </a:extLst>
           </p:cNvPr>
@@ -13342,7 +12909,7 @@
         </p:nvSpPr>
         <p:spPr>
           <a:xfrm>
-            <a:off x="892005" y="4378485"/>
+            <a:off x="882351" y="5857338"/>
             <a:ext cx="1630018" cy="755373"/>
           </a:xfrm>
           <a:prstGeom prst="roundRect">
@@ -13383,22 +12950,17 @@
             </a:r>
             <a:r>
               <a:rPr lang="en-GB" sz="900" dirty="0"/>
-              <a:t>Upgraded institutions/laboratories/educational/</a:t>
-            </a:r>
-            <a:r>
-              <a:rPr lang="en-GB" sz="900" dirty="0" err="1"/>
-              <a:t>centers</a:t>
-            </a:r>
-            <a:endParaRPr lang="en-GB" sz="900" dirty="0"/>
+              <a:t>Curricula in new professions</a:t>
+            </a:r>
           </a:p>
         </p:txBody>
       </p:sp>
       <p:sp>
         <p:nvSpPr>
-          <p:cNvPr id="8" name="Rectangle: Rounded Corners 7">
-            <a:extLst>
-              <a:ext uri="{FF2B5EF4-FFF2-40B4-BE49-F238E27FC236}">
-                <a16:creationId xmlns:a16="http://schemas.microsoft.com/office/drawing/2014/main" id="{C658B0FB-B970-1D86-DDCC-85BB68487C68}"/>
+          <p:cNvPr id="16" name="Rectangle: Rounded Corners 15">
+            <a:extLst>
+              <a:ext uri="{FF2B5EF4-FFF2-40B4-BE49-F238E27FC236}">
+                <a16:creationId xmlns:a16="http://schemas.microsoft.com/office/drawing/2014/main" id="{24A77D81-7979-5C37-CF22-3E221E3DC094}"/>
               </a:ext>
             </a:extLst>
           </p:cNvPr>
@@ -13407,7 +12969,7 @@
         </p:nvSpPr>
         <p:spPr>
           <a:xfrm>
-            <a:off x="882351" y="5205168"/>
+            <a:off x="946494" y="2146948"/>
             <a:ext cx="1630018" cy="755373"/>
           </a:xfrm>
           <a:prstGeom prst="roundRect">
@@ -13444,197 +13006,83 @@
           <a:p>
             <a:r>
               <a:rPr lang="en-150" sz="900" dirty="0"/>
-              <a:t>* </a:t>
-            </a:r>
-            <a:r>
-              <a:rPr lang="en-GB" sz="900" dirty="0"/>
-              <a:t>Curricula in new professions</a:t>
-            </a:r>
+              <a:t>*Introduce new technologies</a:t>
+            </a:r>
+            <a:endParaRPr lang="en-GB" sz="900" dirty="0"/>
+          </a:p>
+        </p:txBody>
+      </p:sp>
+    </p:spTree>
+    <p:extLst>
+      <p:ext uri="{BB962C8B-B14F-4D97-AF65-F5344CB8AC3E}">
+        <p14:creationId xmlns:p14="http://schemas.microsoft.com/office/powerpoint/2010/main" val="1347038592"/>
+      </p:ext>
+    </p:extLst>
+  </p:cSld>
+  <p:clrMapOvr>
+    <a:masterClrMapping/>
+  </p:clrMapOvr>
+</p:sld>
+</file>
+
+<file path=ppt/slides/slide15.xml><?xml version="1.0" encoding="utf-8"?>
+<p:sld xmlns:a="http://schemas.openxmlformats.org/drawingml/2006/main" xmlns:r="http://schemas.openxmlformats.org/officeDocument/2006/relationships" xmlns:p="http://schemas.openxmlformats.org/presentationml/2006/main">
+  <p:cSld>
+    <p:spTree>
+      <p:nvGrpSpPr>
+        <p:cNvPr id="1" name="">
+          <a:extLst>
+            <a:ext uri="{FF2B5EF4-FFF2-40B4-BE49-F238E27FC236}">
+              <a16:creationId xmlns:a16="http://schemas.microsoft.com/office/drawing/2014/main" id="{1DC3B777-6250-0E2E-7C3B-4A003736364E}"/>
+            </a:ext>
+          </a:extLst>
+        </p:cNvPr>
+        <p:cNvGrpSpPr/>
+        <p:nvPr/>
+      </p:nvGrpSpPr>
+      <p:grpSpPr>
+        <a:xfrm>
+          <a:off x="0" y="0"/>
+          <a:ext cx="0" cy="0"/>
+          <a:chOff x="0" y="0"/>
+          <a:chExt cx="0" cy="0"/>
+        </a:xfrm>
+      </p:grpSpPr>
+      <p:sp>
+        <p:nvSpPr>
+          <p:cNvPr id="2" name="Title 1">
+            <a:extLst>
+              <a:ext uri="{FF2B5EF4-FFF2-40B4-BE49-F238E27FC236}">
+                <a16:creationId xmlns:a16="http://schemas.microsoft.com/office/drawing/2014/main" id="{7F00C430-0B23-60EB-846A-601151890BBB}"/>
+              </a:ext>
+            </a:extLst>
+          </p:cNvPr>
+          <p:cNvSpPr>
+            <a:spLocks noGrp="1"/>
+          </p:cNvSpPr>
+          <p:nvPr>
+            <p:ph type="title"/>
+          </p:nvPr>
+        </p:nvSpPr>
+        <p:spPr/>
+        <p:txBody>
+          <a:bodyPr/>
+          <a:lstStyle/>
+          <a:p>
+            <a:r>
+              <a:rPr lang="en-150" dirty="0"/>
+              <a:t>Pathway of results</a:t>
+            </a:r>
+            <a:endParaRPr lang="en-GB" dirty="0"/>
           </a:p>
         </p:txBody>
       </p:sp>
       <p:sp>
         <p:nvSpPr>
-          <p:cNvPr id="9" name="TextBox 8">
-            <a:extLst>
-              <a:ext uri="{FF2B5EF4-FFF2-40B4-BE49-F238E27FC236}">
-                <a16:creationId xmlns:a16="http://schemas.microsoft.com/office/drawing/2014/main" id="{BCD310FD-BE9E-0032-912D-6C4A82CF298A}"/>
-              </a:ext>
-            </a:extLst>
-          </p:cNvPr>
-          <p:cNvSpPr txBox="1"/>
-          <p:nvPr/>
-        </p:nvSpPr>
-        <p:spPr>
-          <a:xfrm>
-            <a:off x="544156" y="1416818"/>
-            <a:ext cx="2667649" cy="369332"/>
-          </a:xfrm>
-          <a:prstGeom prst="rect">
-            <a:avLst/>
-          </a:prstGeom>
-          <a:noFill/>
-        </p:spPr>
-        <p:txBody>
-          <a:bodyPr wrap="square" rtlCol="0">
-            <a:spAutoFit/>
-          </a:bodyPr>
-          <a:lstStyle/>
-          <a:p>
-            <a:r>
-              <a:rPr lang="en-150" dirty="0"/>
-              <a:t>Intermediate Outcomes</a:t>
-            </a:r>
-            <a:endParaRPr lang="en-GB" dirty="0"/>
-          </a:p>
-        </p:txBody>
-      </p:sp>
-      <p:sp>
-        <p:nvSpPr>
-          <p:cNvPr id="10" name="TextBox 9">
-            <a:extLst>
-              <a:ext uri="{FF2B5EF4-FFF2-40B4-BE49-F238E27FC236}">
-                <a16:creationId xmlns:a16="http://schemas.microsoft.com/office/drawing/2014/main" id="{5D578002-2907-89BA-17BF-FEE3609722F3}"/>
-              </a:ext>
-            </a:extLst>
-          </p:cNvPr>
-          <p:cNvSpPr txBox="1"/>
-          <p:nvPr/>
-        </p:nvSpPr>
-        <p:spPr>
-          <a:xfrm>
-            <a:off x="321509" y="1668663"/>
-            <a:ext cx="2890296" cy="230832"/>
-          </a:xfrm>
-          <a:prstGeom prst="rect">
-            <a:avLst/>
-          </a:prstGeom>
-          <a:noFill/>
-        </p:spPr>
-        <p:txBody>
-          <a:bodyPr wrap="square">
-            <a:spAutoFit/>
-          </a:bodyPr>
-          <a:lstStyle/>
-          <a:p>
-            <a:r>
-              <a:rPr lang="en-150" sz="900" b="1" dirty="0">
-                <a:solidFill>
-                  <a:srgbClr val="007DBC"/>
-                </a:solidFill>
-              </a:rPr>
-              <a:t>I</a:t>
-            </a:r>
-            <a:r>
-              <a:rPr lang="en-GB" sz="900" b="1" dirty="0" err="1">
-                <a:solidFill>
-                  <a:srgbClr val="007DBC"/>
-                </a:solidFill>
-              </a:rPr>
-              <a:t>ndication</a:t>
-            </a:r>
-            <a:r>
-              <a:rPr lang="en-GB" sz="900" b="1" dirty="0">
-                <a:solidFill>
-                  <a:srgbClr val="007DBC"/>
-                </a:solidFill>
-              </a:rPr>
-              <a:t> of initial uptake by</a:t>
-            </a:r>
-            <a:r>
-              <a:rPr lang="en-150" sz="900" b="1" dirty="0">
-                <a:solidFill>
-                  <a:srgbClr val="007DBC"/>
-                </a:solidFill>
-              </a:rPr>
-              <a:t> </a:t>
-            </a:r>
-            <a:r>
-              <a:rPr lang="en-GB" sz="900" b="1" dirty="0">
-                <a:solidFill>
-                  <a:srgbClr val="007DBC"/>
-                </a:solidFill>
-              </a:rPr>
-              <a:t>programme stakeholders</a:t>
-            </a:r>
-            <a:endParaRPr lang="en-GB" sz="900" dirty="0">
-              <a:solidFill>
-                <a:srgbClr val="007DBC"/>
-              </a:solidFill>
-            </a:endParaRPr>
-          </a:p>
-        </p:txBody>
-      </p:sp>
-      <p:sp>
-        <p:nvSpPr>
-          <p:cNvPr id="15" name="TextBox 14">
-            <a:extLst>
-              <a:ext uri="{FF2B5EF4-FFF2-40B4-BE49-F238E27FC236}">
-                <a16:creationId xmlns:a16="http://schemas.microsoft.com/office/drawing/2014/main" id="{F9828E6E-7B4F-6442-EEF4-06AF7B7F2634}"/>
-              </a:ext>
-            </a:extLst>
-          </p:cNvPr>
-          <p:cNvSpPr txBox="1"/>
-          <p:nvPr/>
-        </p:nvSpPr>
-        <p:spPr>
-          <a:xfrm>
-            <a:off x="3542548" y="3363008"/>
-            <a:ext cx="7315200" cy="1200329"/>
-          </a:xfrm>
-          <a:prstGeom prst="rect">
-            <a:avLst/>
-          </a:prstGeom>
-          <a:noFill/>
-        </p:spPr>
-        <p:txBody>
-          <a:bodyPr wrap="square" rtlCol="0">
-            <a:spAutoFit/>
-          </a:bodyPr>
-          <a:lstStyle/>
-          <a:p>
-            <a:r>
-              <a:rPr lang="en-150" b="1" dirty="0"/>
-              <a:t>* </a:t>
-            </a:r>
-            <a:r>
-              <a:rPr lang="es-ES" b="1" dirty="0" err="1"/>
-              <a:t>From</a:t>
-            </a:r>
-            <a:r>
-              <a:rPr lang="es-ES" b="1" dirty="0"/>
-              <a:t> </a:t>
-            </a:r>
-            <a:r>
-              <a:rPr lang="en-150" b="1" dirty="0"/>
-              <a:t>NLO 1 (Effectiveness):</a:t>
-            </a:r>
-          </a:p>
-          <a:p>
-            <a:pPr marL="285750" indent="-285750">
-              <a:buFont typeface="Arial" panose="020B0604020202020204" pitchFamily="34" charset="0"/>
-              <a:buChar char="•"/>
-            </a:pPr>
-            <a:endParaRPr lang="en-150" dirty="0"/>
-          </a:p>
-          <a:p>
-            <a:pPr marL="285750" indent="-285750">
-              <a:buFont typeface="Arial" panose="020B0604020202020204" pitchFamily="34" charset="0"/>
-              <a:buChar char="•"/>
-            </a:pPr>
-            <a:r>
-              <a:rPr lang="en-GB" dirty="0"/>
-              <a:t>Please indicate the estimated time range when the improvements introduced by TC programme in each area were achieved in your country.</a:t>
-            </a:r>
-          </a:p>
-        </p:txBody>
-      </p:sp>
-      <p:sp>
-        <p:nvSpPr>
-          <p:cNvPr id="3" name="Rectangle: Rounded Corners 2">
-            <a:extLst>
-              <a:ext uri="{FF2B5EF4-FFF2-40B4-BE49-F238E27FC236}">
-                <a16:creationId xmlns:a16="http://schemas.microsoft.com/office/drawing/2014/main" id="{3232CB28-AA10-8FA6-C6DA-E2BB732DA595}"/>
+          <p:cNvPr id="5" name="Rectangle: Rounded Corners 4">
+            <a:extLst>
+              <a:ext uri="{FF2B5EF4-FFF2-40B4-BE49-F238E27FC236}">
+                <a16:creationId xmlns:a16="http://schemas.microsoft.com/office/drawing/2014/main" id="{86C84159-3E35-E946-EC84-2C72DAAF94B6}"/>
               </a:ext>
             </a:extLst>
           </p:cNvPr>
@@ -13643,7 +13091,7 @@
         </p:nvSpPr>
         <p:spPr>
           <a:xfrm>
-            <a:off x="882351" y="6031498"/>
+            <a:off x="920580" y="3911395"/>
             <a:ext cx="1630018" cy="755373"/>
           </a:xfrm>
           <a:prstGeom prst="roundRect">
@@ -13680,16 +13128,603 @@
           <a:p>
             <a:r>
               <a:rPr lang="en-150" sz="900" dirty="0"/>
+              <a:t>* </a:t>
+            </a:r>
+            <a:r>
+              <a:rPr lang="en-GB" sz="900" dirty="0"/>
+              <a:t>Produce data to inform policies</a:t>
+            </a:r>
+          </a:p>
+        </p:txBody>
+      </p:sp>
+      <p:sp>
+        <p:nvSpPr>
+          <p:cNvPr id="6" name="Rectangle: Rounded Corners 5">
+            <a:extLst>
+              <a:ext uri="{FF2B5EF4-FFF2-40B4-BE49-F238E27FC236}">
+                <a16:creationId xmlns:a16="http://schemas.microsoft.com/office/drawing/2014/main" id="{A947D3F5-EFF1-A955-0B9B-7BCAE0EAF8CF}"/>
+              </a:ext>
+            </a:extLst>
+          </p:cNvPr>
+          <p:cNvSpPr/>
+          <p:nvPr/>
+        </p:nvSpPr>
+        <p:spPr>
+          <a:xfrm>
+            <a:off x="949155" y="3054336"/>
+            <a:ext cx="1630018" cy="755373"/>
+          </a:xfrm>
+          <a:prstGeom prst="roundRect">
+            <a:avLst/>
+          </a:prstGeom>
+          <a:solidFill>
+            <a:srgbClr val="007DBC"/>
+          </a:solidFill>
+          <a:ln>
+            <a:solidFill>
+              <a:schemeClr val="bg1"/>
+            </a:solidFill>
+          </a:ln>
+        </p:spPr>
+        <p:style>
+          <a:lnRef idx="2">
+            <a:schemeClr val="accent1">
+              <a:shade val="15000"/>
+            </a:schemeClr>
+          </a:lnRef>
+          <a:fillRef idx="1">
+            <a:schemeClr val="accent1"/>
+          </a:fillRef>
+          <a:effectRef idx="0">
+            <a:schemeClr val="accent1"/>
+          </a:effectRef>
+          <a:fontRef idx="minor">
+            <a:schemeClr val="lt1"/>
+          </a:fontRef>
+        </p:style>
+        <p:txBody>
+          <a:bodyPr rtlCol="0" anchor="ctr"/>
+          <a:lstStyle/>
+          <a:p>
+            <a:r>
+              <a:rPr lang="en-150" sz="900" dirty="0"/>
+              <a:t>* </a:t>
+            </a:r>
+            <a:r>
+              <a:rPr lang="en-GB" sz="900" dirty="0"/>
+              <a:t>Develop regulatory frameworks / new technical guidelines</a:t>
+            </a:r>
+          </a:p>
+        </p:txBody>
+      </p:sp>
+      <p:sp>
+        <p:nvSpPr>
+          <p:cNvPr id="7" name="Rectangle: Rounded Corners 6">
+            <a:extLst>
+              <a:ext uri="{FF2B5EF4-FFF2-40B4-BE49-F238E27FC236}">
+                <a16:creationId xmlns:a16="http://schemas.microsoft.com/office/drawing/2014/main" id="{970B5E18-8461-5BBF-4D53-B5D429136A34}"/>
+              </a:ext>
+            </a:extLst>
+          </p:cNvPr>
+          <p:cNvSpPr/>
+          <p:nvPr/>
+        </p:nvSpPr>
+        <p:spPr>
+          <a:xfrm>
+            <a:off x="924562" y="4925880"/>
+            <a:ext cx="1630018" cy="755373"/>
+          </a:xfrm>
+          <a:prstGeom prst="roundRect">
+            <a:avLst/>
+          </a:prstGeom>
+          <a:solidFill>
+            <a:srgbClr val="007DBC"/>
+          </a:solidFill>
+          <a:ln>
+            <a:solidFill>
+              <a:schemeClr val="bg1"/>
+            </a:solidFill>
+          </a:ln>
+        </p:spPr>
+        <p:style>
+          <a:lnRef idx="2">
+            <a:schemeClr val="accent1">
+              <a:shade val="15000"/>
+            </a:schemeClr>
+          </a:lnRef>
+          <a:fillRef idx="1">
+            <a:schemeClr val="accent1"/>
+          </a:fillRef>
+          <a:effectRef idx="0">
+            <a:schemeClr val="accent1"/>
+          </a:effectRef>
+          <a:fontRef idx="minor">
+            <a:schemeClr val="lt1"/>
+          </a:fontRef>
+        </p:style>
+        <p:txBody>
+          <a:bodyPr rtlCol="0" anchor="ctr"/>
+          <a:lstStyle/>
+          <a:p>
+            <a:r>
+              <a:rPr lang="en-150" sz="900" dirty="0"/>
+              <a:t>* </a:t>
+            </a:r>
+            <a:r>
+              <a:rPr lang="en-GB" sz="900" dirty="0"/>
+              <a:t>Upgraded institutions/laboratories/educational/</a:t>
+            </a:r>
+            <a:r>
+              <a:rPr lang="en-GB" sz="900" dirty="0" err="1"/>
+              <a:t>centers</a:t>
+            </a:r>
+            <a:endParaRPr lang="en-GB" sz="900" dirty="0"/>
+          </a:p>
+        </p:txBody>
+      </p:sp>
+      <p:sp>
+        <p:nvSpPr>
+          <p:cNvPr id="8" name="Rectangle: Rounded Corners 7">
+            <a:extLst>
+              <a:ext uri="{FF2B5EF4-FFF2-40B4-BE49-F238E27FC236}">
+                <a16:creationId xmlns:a16="http://schemas.microsoft.com/office/drawing/2014/main" id="{C658B0FB-B970-1D86-DDCC-85BB68487C68}"/>
+              </a:ext>
+            </a:extLst>
+          </p:cNvPr>
+          <p:cNvSpPr/>
+          <p:nvPr/>
+        </p:nvSpPr>
+        <p:spPr>
+          <a:xfrm>
+            <a:off x="882351" y="5857338"/>
+            <a:ext cx="1630018" cy="755373"/>
+          </a:xfrm>
+          <a:prstGeom prst="roundRect">
+            <a:avLst/>
+          </a:prstGeom>
+          <a:solidFill>
+            <a:srgbClr val="007DBC"/>
+          </a:solidFill>
+          <a:ln>
+            <a:solidFill>
+              <a:schemeClr val="bg1"/>
+            </a:solidFill>
+          </a:ln>
+        </p:spPr>
+        <p:style>
+          <a:lnRef idx="2">
+            <a:schemeClr val="accent1">
+              <a:shade val="15000"/>
+            </a:schemeClr>
+          </a:lnRef>
+          <a:fillRef idx="1">
+            <a:schemeClr val="accent1"/>
+          </a:fillRef>
+          <a:effectRef idx="0">
+            <a:schemeClr val="accent1"/>
+          </a:effectRef>
+          <a:fontRef idx="minor">
+            <a:schemeClr val="lt1"/>
+          </a:fontRef>
+        </p:style>
+        <p:txBody>
+          <a:bodyPr rtlCol="0" anchor="ctr"/>
+          <a:lstStyle/>
+          <a:p>
+            <a:r>
+              <a:rPr lang="en-150" sz="900" dirty="0"/>
+              <a:t>* </a:t>
+            </a:r>
+            <a:r>
+              <a:rPr lang="en-GB" sz="900" dirty="0"/>
+              <a:t>Curricula in new professions</a:t>
+            </a:r>
+          </a:p>
+        </p:txBody>
+      </p:sp>
+      <p:sp>
+        <p:nvSpPr>
+          <p:cNvPr id="9" name="TextBox 8">
+            <a:extLst>
+              <a:ext uri="{FF2B5EF4-FFF2-40B4-BE49-F238E27FC236}">
+                <a16:creationId xmlns:a16="http://schemas.microsoft.com/office/drawing/2014/main" id="{BCD310FD-BE9E-0032-912D-6C4A82CF298A}"/>
+              </a:ext>
+            </a:extLst>
+          </p:cNvPr>
+          <p:cNvSpPr txBox="1"/>
+          <p:nvPr/>
+        </p:nvSpPr>
+        <p:spPr>
+          <a:xfrm>
+            <a:off x="544156" y="1416818"/>
+            <a:ext cx="2667649" cy="369332"/>
+          </a:xfrm>
+          <a:prstGeom prst="rect">
+            <a:avLst/>
+          </a:prstGeom>
+          <a:noFill/>
+        </p:spPr>
+        <p:txBody>
+          <a:bodyPr wrap="square" rtlCol="0">
+            <a:spAutoFit/>
+          </a:bodyPr>
+          <a:lstStyle/>
+          <a:p>
+            <a:r>
+              <a:rPr lang="en-150" dirty="0"/>
+              <a:t>Intermediate Outcomes</a:t>
+            </a:r>
+            <a:endParaRPr lang="en-GB" dirty="0"/>
+          </a:p>
+        </p:txBody>
+      </p:sp>
+      <p:sp>
+        <p:nvSpPr>
+          <p:cNvPr id="10" name="TextBox 9">
+            <a:extLst>
+              <a:ext uri="{FF2B5EF4-FFF2-40B4-BE49-F238E27FC236}">
+                <a16:creationId xmlns:a16="http://schemas.microsoft.com/office/drawing/2014/main" id="{5D578002-2907-89BA-17BF-FEE3609722F3}"/>
+              </a:ext>
+            </a:extLst>
+          </p:cNvPr>
+          <p:cNvSpPr txBox="1"/>
+          <p:nvPr/>
+        </p:nvSpPr>
+        <p:spPr>
+          <a:xfrm>
+            <a:off x="321509" y="1668663"/>
+            <a:ext cx="2890296" cy="230832"/>
+          </a:xfrm>
+          <a:prstGeom prst="rect">
+            <a:avLst/>
+          </a:prstGeom>
+          <a:noFill/>
+        </p:spPr>
+        <p:txBody>
+          <a:bodyPr wrap="square">
+            <a:spAutoFit/>
+          </a:bodyPr>
+          <a:lstStyle/>
+          <a:p>
+            <a:r>
+              <a:rPr lang="en-150" sz="900" b="1" dirty="0">
+                <a:solidFill>
+                  <a:srgbClr val="007DBC"/>
+                </a:solidFill>
+              </a:rPr>
+              <a:t>I</a:t>
+            </a:r>
+            <a:r>
+              <a:rPr lang="en-GB" sz="900" b="1" dirty="0" err="1">
+                <a:solidFill>
+                  <a:srgbClr val="007DBC"/>
+                </a:solidFill>
+              </a:rPr>
+              <a:t>ndication</a:t>
+            </a:r>
+            <a:r>
+              <a:rPr lang="en-GB" sz="900" b="1" dirty="0">
+                <a:solidFill>
+                  <a:srgbClr val="007DBC"/>
+                </a:solidFill>
+              </a:rPr>
+              <a:t> of initial uptake by</a:t>
+            </a:r>
+            <a:r>
+              <a:rPr lang="en-150" sz="900" b="1" dirty="0">
+                <a:solidFill>
+                  <a:srgbClr val="007DBC"/>
+                </a:solidFill>
+              </a:rPr>
+              <a:t> </a:t>
+            </a:r>
+            <a:r>
+              <a:rPr lang="en-GB" sz="900" b="1" dirty="0">
+                <a:solidFill>
+                  <a:srgbClr val="007DBC"/>
+                </a:solidFill>
+              </a:rPr>
+              <a:t>programme stakeholders</a:t>
+            </a:r>
+            <a:endParaRPr lang="en-GB" sz="900" dirty="0">
+              <a:solidFill>
+                <a:srgbClr val="007DBC"/>
+              </a:solidFill>
+            </a:endParaRPr>
+          </a:p>
+        </p:txBody>
+      </p:sp>
+      <p:sp>
+        <p:nvSpPr>
+          <p:cNvPr id="3" name="Rectangle: Rounded Corners 2">
+            <a:extLst>
+              <a:ext uri="{FF2B5EF4-FFF2-40B4-BE49-F238E27FC236}">
+                <a16:creationId xmlns:a16="http://schemas.microsoft.com/office/drawing/2014/main" id="{3232CB28-AA10-8FA6-C6DA-E2BB732DA595}"/>
+              </a:ext>
+            </a:extLst>
+          </p:cNvPr>
+          <p:cNvSpPr/>
+          <p:nvPr/>
+        </p:nvSpPr>
+        <p:spPr>
+          <a:xfrm>
+            <a:off x="946494" y="2146948"/>
+            <a:ext cx="1630018" cy="755373"/>
+          </a:xfrm>
+          <a:prstGeom prst="roundRect">
+            <a:avLst/>
+          </a:prstGeom>
+          <a:solidFill>
+            <a:srgbClr val="007DBC"/>
+          </a:solidFill>
+          <a:ln>
+            <a:solidFill>
+              <a:schemeClr val="bg1"/>
+            </a:solidFill>
+          </a:ln>
+        </p:spPr>
+        <p:style>
+          <a:lnRef idx="2">
+            <a:schemeClr val="accent1">
+              <a:shade val="15000"/>
+            </a:schemeClr>
+          </a:lnRef>
+          <a:fillRef idx="1">
+            <a:schemeClr val="accent1"/>
+          </a:fillRef>
+          <a:effectRef idx="0">
+            <a:schemeClr val="accent1"/>
+          </a:effectRef>
+          <a:fontRef idx="minor">
+            <a:schemeClr val="lt1"/>
+          </a:fontRef>
+        </p:style>
+        <p:txBody>
+          <a:bodyPr rtlCol="0" anchor="ctr"/>
+          <a:lstStyle/>
+          <a:p>
+            <a:r>
+              <a:rPr lang="en-150" sz="900" dirty="0"/>
               <a:t>*Introduce new technologies</a:t>
             </a:r>
             <a:endParaRPr lang="en-GB" sz="900" dirty="0"/>
+          </a:p>
+        </p:txBody>
+      </p:sp>
+      <p:sp>
+        <p:nvSpPr>
+          <p:cNvPr id="4" name="TextBox 3">
+            <a:extLst>
+              <a:ext uri="{FF2B5EF4-FFF2-40B4-BE49-F238E27FC236}">
+                <a16:creationId xmlns:a16="http://schemas.microsoft.com/office/drawing/2014/main" id="{E6AE971D-B200-48E2-79CB-B7998DEEEA30}"/>
+              </a:ext>
+            </a:extLst>
+          </p:cNvPr>
+          <p:cNvSpPr txBox="1"/>
+          <p:nvPr/>
+        </p:nvSpPr>
+        <p:spPr>
+          <a:xfrm>
+            <a:off x="2734563" y="2195411"/>
+            <a:ext cx="7391400" cy="5632311"/>
+          </a:xfrm>
+          <a:prstGeom prst="rect">
+            <a:avLst/>
+          </a:prstGeom>
+          <a:noFill/>
+        </p:spPr>
+        <p:txBody>
+          <a:bodyPr wrap="square">
+            <a:spAutoFit/>
+          </a:bodyPr>
+          <a:lstStyle/>
+          <a:p>
+            <a:pPr marL="285750" indent="-285750">
+              <a:buFont typeface="Arial" panose="020B0604020202020204" pitchFamily="34" charset="0"/>
+              <a:buChar char="•"/>
+            </a:pPr>
+            <a:r>
+              <a:rPr lang="en-GB" sz="1800" b="0" i="0" dirty="0">
+                <a:effectLst/>
+                <a:latin typeface="Google Sans"/>
+              </a:rPr>
+              <a:t>Increased use of a new technology/tool or technique in a specific sector</a:t>
+            </a:r>
+            <a:endParaRPr lang="en-150" sz="1800" b="0" i="0" dirty="0">
+              <a:effectLst/>
+              <a:latin typeface="Google Sans"/>
+            </a:endParaRPr>
+          </a:p>
+          <a:p>
+            <a:pPr marL="285750" indent="-285750">
+              <a:buFont typeface="Arial" panose="020B0604020202020204" pitchFamily="34" charset="0"/>
+              <a:buChar char="•"/>
+            </a:pPr>
+            <a:endParaRPr lang="en-150" dirty="0">
+              <a:latin typeface="Google Sans"/>
+            </a:endParaRPr>
+          </a:p>
+          <a:p>
+            <a:pPr marL="285750" indent="-285750">
+              <a:buFont typeface="Arial" panose="020B0604020202020204" pitchFamily="34" charset="0"/>
+              <a:buChar char="•"/>
+            </a:pPr>
+            <a:endParaRPr lang="en-150" sz="1800" b="0" i="0" dirty="0">
+              <a:effectLst/>
+              <a:latin typeface="Google Sans"/>
+            </a:endParaRPr>
+          </a:p>
+          <a:p>
+            <a:pPr marL="285750" indent="-285750">
+              <a:buFont typeface="Arial" panose="020B0604020202020204" pitchFamily="34" charset="0"/>
+              <a:buChar char="•"/>
+            </a:pPr>
+            <a:endParaRPr lang="en-150" sz="1800" b="0" i="0" dirty="0">
+              <a:effectLst/>
+              <a:latin typeface="Google Sans"/>
+            </a:endParaRPr>
+          </a:p>
+          <a:p>
+            <a:pPr marL="285750" indent="-285750">
+              <a:buFont typeface="Arial" panose="020B0604020202020204" pitchFamily="34" charset="0"/>
+              <a:buChar char="•"/>
+            </a:pPr>
+            <a:r>
+              <a:rPr lang="en-GB" sz="1800" dirty="0"/>
+              <a:t>Adoption of Plans/Policies/Programmes or Technical Standards by National Entities</a:t>
+            </a:r>
+            <a:endParaRPr lang="en-150" sz="1800" dirty="0"/>
+          </a:p>
+          <a:p>
+            <a:pPr marL="285750" indent="-285750">
+              <a:buFont typeface="Arial" panose="020B0604020202020204" pitchFamily="34" charset="0"/>
+              <a:buChar char="•"/>
+            </a:pPr>
+            <a:endParaRPr lang="en-150" sz="1800" dirty="0">
+              <a:latin typeface="Google Sans"/>
+            </a:endParaRPr>
+          </a:p>
+          <a:p>
+            <a:pPr marL="285750" indent="-285750">
+              <a:buFont typeface="Arial" panose="020B0604020202020204" pitchFamily="34" charset="0"/>
+              <a:buChar char="•"/>
+            </a:pPr>
+            <a:r>
+              <a:rPr lang="en-150" sz="1800" dirty="0">
+                <a:latin typeface="Google Sans"/>
+              </a:rPr>
+              <a:t>Use of data to inform regulatory</a:t>
+            </a:r>
+          </a:p>
+          <a:p>
+            <a:pPr marL="285750" indent="-285750">
+              <a:buFont typeface="Arial" panose="020B0604020202020204" pitchFamily="34" charset="0"/>
+              <a:buChar char="•"/>
+            </a:pPr>
+            <a:endParaRPr lang="en-150" sz="1800" b="0" i="0" dirty="0">
+              <a:effectLst/>
+              <a:latin typeface="Google Sans"/>
+            </a:endParaRPr>
+          </a:p>
+          <a:p>
+            <a:pPr marL="285750" indent="-285750">
+              <a:buFont typeface="Arial" panose="020B0604020202020204" pitchFamily="34" charset="0"/>
+              <a:buChar char="•"/>
+            </a:pPr>
+            <a:endParaRPr lang="en-150" dirty="0">
+              <a:latin typeface="Google Sans"/>
+            </a:endParaRPr>
+          </a:p>
+          <a:p>
+            <a:pPr marL="285750" indent="-285750">
+              <a:buFont typeface="Arial" panose="020B0604020202020204" pitchFamily="34" charset="0"/>
+              <a:buChar char="•"/>
+            </a:pPr>
+            <a:endParaRPr lang="en-150" sz="1800" b="0" i="0" dirty="0">
+              <a:effectLst/>
+              <a:latin typeface="Google Sans"/>
+            </a:endParaRPr>
+          </a:p>
+          <a:p>
+            <a:pPr marL="285750" indent="-285750">
+              <a:buFont typeface="Arial" panose="020B0604020202020204" pitchFamily="34" charset="0"/>
+              <a:buChar char="•"/>
+            </a:pPr>
+            <a:r>
+              <a:rPr lang="en-GB" sz="1800" b="0" i="0" dirty="0">
+                <a:effectLst/>
+                <a:latin typeface="Google Sans"/>
+              </a:rPr>
+              <a:t>Creation of new Institution/ Laboratory/Education Centres</a:t>
+            </a:r>
+            <a:endParaRPr lang="en-150" sz="1800" b="0" i="0" dirty="0">
+              <a:effectLst/>
+              <a:latin typeface="Google Sans"/>
+            </a:endParaRPr>
+          </a:p>
+          <a:p>
+            <a:pPr marL="285750" indent="-285750">
+              <a:buFont typeface="Arial" panose="020B0604020202020204" pitchFamily="34" charset="0"/>
+              <a:buChar char="•"/>
+            </a:pPr>
+            <a:endParaRPr lang="en-150" sz="1800" b="0" i="0" dirty="0">
+              <a:effectLst/>
+              <a:latin typeface="Google Sans"/>
+            </a:endParaRPr>
+          </a:p>
+          <a:p>
+            <a:pPr marL="285750" indent="-285750">
+              <a:buFont typeface="Arial" panose="020B0604020202020204" pitchFamily="34" charset="0"/>
+              <a:buChar char="•"/>
+            </a:pPr>
+            <a:endParaRPr lang="en-150" dirty="0">
+              <a:latin typeface="Google Sans"/>
+            </a:endParaRPr>
+          </a:p>
+          <a:p>
+            <a:pPr marL="285750" indent="-285750">
+              <a:buFont typeface="Arial" panose="020B0604020202020204" pitchFamily="34" charset="0"/>
+              <a:buChar char="•"/>
+            </a:pPr>
+            <a:r>
+              <a:rPr lang="en-GB" sz="1800" b="0" i="0" dirty="0">
+                <a:effectLst/>
+                <a:latin typeface="Google Sans"/>
+              </a:rPr>
+              <a:t>New profession recognized/ More professionals in the workforce</a:t>
+            </a:r>
+            <a:endParaRPr lang="en-150" sz="1800" b="0" i="0" dirty="0">
+              <a:effectLst/>
+              <a:latin typeface="Google Sans"/>
+            </a:endParaRPr>
+          </a:p>
+          <a:p>
+            <a:pPr marL="285750" indent="-285750">
+              <a:buFont typeface="Arial" panose="020B0604020202020204" pitchFamily="34" charset="0"/>
+              <a:buChar char="•"/>
+            </a:pPr>
+            <a:endParaRPr lang="en-GB" dirty="0"/>
+          </a:p>
+          <a:p>
+            <a:pPr marL="285750" indent="-285750">
+              <a:buFont typeface="Arial" panose="020B0604020202020204" pitchFamily="34" charset="0"/>
+              <a:buChar char="•"/>
+            </a:pPr>
+            <a:endParaRPr lang="en-GB" dirty="0"/>
+          </a:p>
+          <a:p>
+            <a:pPr marL="285750" indent="-285750">
+              <a:buFont typeface="Arial" panose="020B0604020202020204" pitchFamily="34" charset="0"/>
+              <a:buChar char="•"/>
+            </a:pPr>
+            <a:endParaRPr lang="en-GB" sz="1800" dirty="0"/>
+          </a:p>
+          <a:p>
+            <a:pPr marL="285750" indent="-285750">
+              <a:buFont typeface="Arial" panose="020B0604020202020204" pitchFamily="34" charset="0"/>
+              <a:buChar char="•"/>
+            </a:pPr>
+            <a:endParaRPr lang="en-150" sz="1800" b="0" i="0" dirty="0">
+              <a:effectLst/>
+              <a:latin typeface="Google Sans"/>
+            </a:endParaRPr>
+          </a:p>
+          <a:p>
+            <a:pPr marL="285750" indent="-285750">
+              <a:buFont typeface="Arial" panose="020B0604020202020204" pitchFamily="34" charset="0"/>
+              <a:buChar char="•"/>
+            </a:pPr>
+            <a:endParaRPr lang="en-150" sz="1800" b="0" i="0" dirty="0">
+              <a:effectLst/>
+              <a:latin typeface="Google Sans"/>
+            </a:endParaRPr>
           </a:p>
         </p:txBody>
       </p:sp>
     </p:spTree>
     <p:extLst>
       <p:ext uri="{BB962C8B-B14F-4D97-AF65-F5344CB8AC3E}">
-        <p14:creationId xmlns:p14="http://schemas.microsoft.com/office/powerpoint/2010/main" val="1347038592"/>
+        <p14:creationId xmlns:p14="http://schemas.microsoft.com/office/powerpoint/2010/main" val="3913836363"/>
       </p:ext>
     </p:extLst>
   </p:cSld>
@@ -13699,7 +13734,7 @@
 </p:sld>
 </file>
 
-<file path=ppt/slides/slide18.xml><?xml version="1.0" encoding="utf-8"?>
+<file path=ppt/slides/slide16.xml><?xml version="1.0" encoding="utf-8"?>
 <p:sld xmlns:a="http://schemas.openxmlformats.org/drawingml/2006/main" xmlns:r="http://schemas.openxmlformats.org/officeDocument/2006/relationships" xmlns:p="http://schemas.openxmlformats.org/presentationml/2006/main">
   <p:cSld>
     <p:spTree>
@@ -14025,6 +14060,15 @@
               <a:buChar char="•"/>
             </a:pPr>
             <a:r>
+              <a:rPr lang="en-150" sz="900" dirty="0">
+                <a:solidFill>
+                  <a:schemeClr val="bg1"/>
+                </a:solidFill>
+                <a:latin typeface="Google Sans"/>
+              </a:rPr>
+              <a:t>*</a:t>
+            </a:r>
+            <a:r>
               <a:rPr lang="en-GB" sz="900" b="0" i="0" dirty="0">
                 <a:solidFill>
                   <a:schemeClr val="bg1"/>
@@ -14041,6 +14085,33 @@
               <a:effectLst/>
               <a:latin typeface="Google Sans"/>
             </a:endParaRPr>
+          </a:p>
+          <a:p>
+            <a:pPr marL="285750" indent="-285750">
+              <a:buFont typeface="Arial" panose="020B0604020202020204" pitchFamily="34" charset="0"/>
+              <a:buChar char="•"/>
+            </a:pPr>
+            <a:endParaRPr lang="en-150" sz="900" b="0" i="0" dirty="0">
+              <a:solidFill>
+                <a:schemeClr val="bg1"/>
+              </a:solidFill>
+              <a:effectLst/>
+              <a:latin typeface="Google Sans"/>
+            </a:endParaRPr>
+          </a:p>
+          <a:p>
+            <a:pPr marL="285750" indent="-285750">
+              <a:buFont typeface="Arial" panose="020B0604020202020204" pitchFamily="34" charset="0"/>
+              <a:buChar char="•"/>
+            </a:pPr>
+            <a:r>
+              <a:rPr lang="en-150" sz="900" dirty="0"/>
+              <a:t>*</a:t>
+            </a:r>
+            <a:r>
+              <a:rPr lang="en-GB" sz="900" dirty="0"/>
+              <a:t>Adoption of Plans/Policies/Programmes or Technical Standards by National Entities</a:t>
+            </a:r>
           </a:p>
           <a:p>
             <a:pPr marL="285750" indent="-285750">
@@ -14095,6 +14166,16 @@
               <a:buChar char="•"/>
             </a:pPr>
             <a:r>
+              <a:rPr lang="en-150" sz="900" b="0" i="0" dirty="0">
+                <a:solidFill>
+                  <a:schemeClr val="bg1"/>
+                </a:solidFill>
+                <a:effectLst/>
+                <a:latin typeface="Google Sans"/>
+              </a:rPr>
+              <a:t>*</a:t>
+            </a:r>
+            <a:r>
               <a:rPr lang="en-GB" sz="900" b="0" i="0" dirty="0">
                 <a:solidFill>
                   <a:schemeClr val="bg1"/>
@@ -14165,6 +14246,16 @@
               <a:buChar char="•"/>
             </a:pPr>
             <a:r>
+              <a:rPr lang="en-150" sz="900" b="0" i="0" dirty="0">
+                <a:solidFill>
+                  <a:schemeClr val="bg1"/>
+                </a:solidFill>
+                <a:effectLst/>
+                <a:latin typeface="Google Sans"/>
+              </a:rPr>
+              <a:t>*</a:t>
+            </a:r>
+            <a:r>
               <a:rPr lang="en-GB" sz="900" b="0" i="0" dirty="0">
                 <a:solidFill>
                   <a:schemeClr val="bg1"/>
@@ -14173,6 +14264,40 @@
                 <a:latin typeface="Google Sans"/>
               </a:rPr>
               <a:t>New profession recognized/ More professionals in the workforce</a:t>
+            </a:r>
+            <a:endParaRPr lang="en-150" sz="900" b="0" i="0" dirty="0">
+              <a:solidFill>
+                <a:schemeClr val="bg1"/>
+              </a:solidFill>
+              <a:effectLst/>
+              <a:latin typeface="Google Sans"/>
+            </a:endParaRPr>
+          </a:p>
+          <a:p>
+            <a:pPr marL="285750" indent="-285750">
+              <a:buFont typeface="Arial" panose="020B0604020202020204" pitchFamily="34" charset="0"/>
+              <a:buChar char="•"/>
+            </a:pPr>
+            <a:endParaRPr lang="en-150" sz="900" dirty="0">
+              <a:solidFill>
+                <a:schemeClr val="bg1"/>
+              </a:solidFill>
+              <a:latin typeface="Google Sans"/>
+            </a:endParaRPr>
+          </a:p>
+          <a:p>
+            <a:pPr marL="285750" indent="-285750">
+              <a:buFont typeface="Arial" panose="020B0604020202020204" pitchFamily="34" charset="0"/>
+              <a:buChar char="•"/>
+            </a:pPr>
+            <a:r>
+              <a:rPr lang="en-150" sz="900" dirty="0">
+                <a:solidFill>
+                  <a:schemeClr val="bg1"/>
+                </a:solidFill>
+                <a:latin typeface="Google Sans"/>
+              </a:rPr>
+              <a:t>*Use of data to inform regulatory</a:t>
             </a:r>
             <a:endParaRPr lang="en-150" sz="900" dirty="0">
               <a:solidFill>
@@ -14319,6 +14444,62 @@
           </a:p>
         </p:txBody>
       </p:sp>
+      <p:sp>
+        <p:nvSpPr>
+          <p:cNvPr id="4" name="Rectangle: Rounded Corners 3">
+            <a:extLst>
+              <a:ext uri="{FF2B5EF4-FFF2-40B4-BE49-F238E27FC236}">
+                <a16:creationId xmlns:a16="http://schemas.microsoft.com/office/drawing/2014/main" id="{A90217DE-3B17-7DB6-D534-90FD6BCB61D9}"/>
+              </a:ext>
+            </a:extLst>
+          </p:cNvPr>
+          <p:cNvSpPr/>
+          <p:nvPr/>
+        </p:nvSpPr>
+        <p:spPr>
+          <a:xfrm>
+            <a:off x="5280991" y="5505062"/>
+            <a:ext cx="1810274" cy="987814"/>
+          </a:xfrm>
+          <a:prstGeom prst="roundRect">
+            <a:avLst/>
+          </a:prstGeom>
+          <a:solidFill>
+            <a:srgbClr val="007DBC"/>
+          </a:solidFill>
+          <a:ln>
+            <a:solidFill>
+              <a:schemeClr val="bg1"/>
+            </a:solidFill>
+          </a:ln>
+        </p:spPr>
+        <p:style>
+          <a:lnRef idx="2">
+            <a:schemeClr val="accent1">
+              <a:shade val="15000"/>
+            </a:schemeClr>
+          </a:lnRef>
+          <a:fillRef idx="1">
+            <a:schemeClr val="accent1"/>
+          </a:fillRef>
+          <a:effectRef idx="0">
+            <a:schemeClr val="accent1"/>
+          </a:effectRef>
+          <a:fontRef idx="minor">
+            <a:schemeClr val="lt1"/>
+          </a:fontRef>
+        </p:style>
+        <p:txBody>
+          <a:bodyPr rtlCol="0" anchor="ctr"/>
+          <a:lstStyle/>
+          <a:p>
+            <a:r>
+              <a:rPr lang="en-GB" sz="900" dirty="0"/>
+              <a:t>Adoption of Plans/Policies/Programmes or Technical Standards by National Entities</a:t>
+            </a:r>
+          </a:p>
+        </p:txBody>
+      </p:sp>
     </p:spTree>
     <p:extLst>
       <p:ext uri="{BB962C8B-B14F-4D97-AF65-F5344CB8AC3E}">
@@ -14332,7 +14513,7 @@
 </p:sld>
 </file>
 
-<file path=ppt/slides/slide19.xml><?xml version="1.0" encoding="utf-8"?>
+<file path=ppt/slides/slide17.xml><?xml version="1.0" encoding="utf-8"?>
 <p:sld xmlns:a="http://schemas.openxmlformats.org/drawingml/2006/main" xmlns:r="http://schemas.openxmlformats.org/officeDocument/2006/relationships" xmlns:p="http://schemas.openxmlformats.org/presentationml/2006/main">
   <p:cSld>
     <p:spTree>
@@ -15084,156 +15265,7 @@
 </p:sld>
 </file>
 
-<file path=ppt/slides/slide2.xml><?xml version="1.0" encoding="utf-8"?>
-<p:sld xmlns:a="http://schemas.openxmlformats.org/drawingml/2006/main" xmlns:r="http://schemas.openxmlformats.org/officeDocument/2006/relationships" xmlns:p="http://schemas.openxmlformats.org/presentationml/2006/main">
-  <p:cSld>
-    <p:spTree>
-      <p:nvGrpSpPr>
-        <p:cNvPr id="1" name=""/>
-        <p:cNvGrpSpPr/>
-        <p:nvPr/>
-      </p:nvGrpSpPr>
-      <p:grpSpPr>
-        <a:xfrm>
-          <a:off x="0" y="0"/>
-          <a:ext cx="0" cy="0"/>
-          <a:chOff x="0" y="0"/>
-          <a:chExt cx="0" cy="0"/>
-        </a:xfrm>
-      </p:grpSpPr>
-      <p:sp>
-        <p:nvSpPr>
-          <p:cNvPr id="2" name="Title 1">
-            <a:extLst>
-              <a:ext uri="{FF2B5EF4-FFF2-40B4-BE49-F238E27FC236}">
-                <a16:creationId xmlns:a16="http://schemas.microsoft.com/office/drawing/2014/main" id="{098DBCD9-90AF-FEB7-1A25-E03A7F6F6D25}"/>
-              </a:ext>
-            </a:extLst>
-          </p:cNvPr>
-          <p:cNvSpPr>
-            <a:spLocks noGrp="1"/>
-          </p:cNvSpPr>
-          <p:nvPr>
-            <p:ph type="title"/>
-          </p:nvPr>
-        </p:nvSpPr>
-        <p:spPr/>
-        <p:txBody>
-          <a:bodyPr/>
-          <a:lstStyle/>
-          <a:p>
-            <a:r>
-              <a:rPr lang="es-ES" dirty="0" err="1"/>
-              <a:t>Problem</a:t>
-            </a:r>
-            <a:endParaRPr lang="en-GB" dirty="0"/>
-          </a:p>
-        </p:txBody>
-      </p:sp>
-      <p:sp>
-        <p:nvSpPr>
-          <p:cNvPr id="3" name="Content Placeholder 2">
-            <a:extLst>
-              <a:ext uri="{FF2B5EF4-FFF2-40B4-BE49-F238E27FC236}">
-                <a16:creationId xmlns:a16="http://schemas.microsoft.com/office/drawing/2014/main" id="{E8686444-F2BD-D1E2-6880-B2F795094354}"/>
-              </a:ext>
-            </a:extLst>
-          </p:cNvPr>
-          <p:cNvSpPr>
-            <a:spLocks noGrp="1"/>
-          </p:cNvSpPr>
-          <p:nvPr>
-            <p:ph idx="1"/>
-          </p:nvPr>
-        </p:nvSpPr>
-        <p:spPr/>
-        <p:txBody>
-          <a:bodyPr>
-            <a:normAutofit/>
-          </a:bodyPr>
-          <a:lstStyle/>
-          <a:p>
-            <a:pPr marL="0" indent="0">
-              <a:buNone/>
-            </a:pPr>
-            <a:r>
-              <a:rPr lang="en-GB" sz="1800" dirty="0"/>
-              <a:t>While considerable progress has been made in recent years at</a:t>
-            </a:r>
-            <a:r>
-              <a:rPr lang="en-150" sz="1800" dirty="0"/>
-              <a:t> </a:t>
-            </a:r>
-            <a:r>
-              <a:rPr lang="en-GB" sz="1800" dirty="0"/>
-              <a:t>national levels on action to achieve UN</a:t>
-            </a:r>
-            <a:r>
-              <a:rPr lang="en-150" sz="1800" dirty="0"/>
-              <a:t>’s Sustainable Development Goals (NDGS)</a:t>
-            </a:r>
-            <a:r>
-              <a:rPr lang="en-GB" sz="1800" dirty="0"/>
-              <a:t>, </a:t>
-            </a:r>
-            <a:r>
-              <a:rPr lang="en-150" sz="1800" dirty="0"/>
-              <a:t> the use of safety nuclear tech</a:t>
-            </a:r>
-            <a:r>
-              <a:rPr lang="en-GB" sz="1800" dirty="0"/>
-              <a:t>no</a:t>
-            </a:r>
-            <a:r>
-              <a:rPr lang="en-150" sz="1800" dirty="0"/>
-              <a:t>logy has not yet reach its potential as a mechanism to help countries to address key develop</a:t>
-            </a:r>
-            <a:r>
-              <a:rPr lang="en-GB" sz="1800" dirty="0"/>
-              <a:t>m</a:t>
-            </a:r>
-            <a:r>
-              <a:rPr lang="en-150" sz="1800" dirty="0" err="1"/>
-              <a:t>ent</a:t>
-            </a:r>
-            <a:r>
-              <a:rPr lang="en-150" sz="1800" dirty="0"/>
-              <a:t> priorities.</a:t>
-            </a:r>
-          </a:p>
-          <a:p>
-            <a:pPr marL="0" indent="0">
-              <a:buNone/>
-            </a:pPr>
-            <a:endParaRPr lang="en-150" dirty="0"/>
-          </a:p>
-          <a:p>
-            <a:pPr marL="0" indent="0">
-              <a:buNone/>
-            </a:pPr>
-            <a:endParaRPr lang="en-150" dirty="0"/>
-          </a:p>
-        </p:txBody>
-      </p:sp>
-    </p:spTree>
-    <p:extLst>
-      <p:ext uri="{BB962C8B-B14F-4D97-AF65-F5344CB8AC3E}">
-        <p14:creationId xmlns:p14="http://schemas.microsoft.com/office/powerpoint/2010/main" val="3210241592"/>
-      </p:ext>
-    </p:extLst>
-  </p:cSld>
-  <p:clrMapOvr>
-    <a:masterClrMapping/>
-  </p:clrMapOvr>
-  <p:extLst>
-    <p:ext uri="{6950BFC3-D8DA-4A85-94F7-54DA5524770B}">
-      <p188:commentRel xmlns:p188="http://schemas.microsoft.com/office/powerpoint/2018/8/main" r:id="rId2"/>
-    </p:ext>
-  </p:extLst>
-</p:sld>
-</file>
-
-<file path=ppt/slides/slide20.xml><?xml version="1.0" encoding="utf-8"?>
+<file path=ppt/slides/slide18.xml><?xml version="1.0" encoding="utf-8"?>
 <p:sld xmlns:a="http://schemas.openxmlformats.org/drawingml/2006/main" xmlns:r="http://schemas.openxmlformats.org/officeDocument/2006/relationships" xmlns:p="http://schemas.openxmlformats.org/presentationml/2006/main">
   <p:cSld>
     <p:spTree>
@@ -15409,7 +15441,7 @@
 </p:sld>
 </file>
 
-<file path=ppt/slides/slide21.xml><?xml version="1.0" encoding="utf-8"?>
+<file path=ppt/slides/slide19.xml><?xml version="1.0" encoding="utf-8"?>
 <p:sld xmlns:a="http://schemas.openxmlformats.org/drawingml/2006/main" xmlns:r="http://schemas.openxmlformats.org/officeDocument/2006/relationships" xmlns:p="http://schemas.openxmlformats.org/presentationml/2006/main">
   <p:cSld>
     <p:spTree>
@@ -16201,6 +16233,653 @@
 </p:sld>
 </file>
 
+<file path=ppt/slides/slide2.xml><?xml version="1.0" encoding="utf-8"?>
+<p:sld xmlns:a="http://schemas.openxmlformats.org/drawingml/2006/main" xmlns:r="http://schemas.openxmlformats.org/officeDocument/2006/relationships" xmlns:p="http://schemas.openxmlformats.org/presentationml/2006/main">
+  <p:cSld>
+    <p:spTree>
+      <p:nvGrpSpPr>
+        <p:cNvPr id="1" name=""/>
+        <p:cNvGrpSpPr/>
+        <p:nvPr/>
+      </p:nvGrpSpPr>
+      <p:grpSpPr>
+        <a:xfrm>
+          <a:off x="0" y="0"/>
+          <a:ext cx="0" cy="0"/>
+          <a:chOff x="0" y="0"/>
+          <a:chExt cx="0" cy="0"/>
+        </a:xfrm>
+      </p:grpSpPr>
+      <p:sp>
+        <p:nvSpPr>
+          <p:cNvPr id="2" name="Title 1">
+            <a:extLst>
+              <a:ext uri="{FF2B5EF4-FFF2-40B4-BE49-F238E27FC236}">
+                <a16:creationId xmlns:a16="http://schemas.microsoft.com/office/drawing/2014/main" id="{098DBCD9-90AF-FEB7-1A25-E03A7F6F6D25}"/>
+              </a:ext>
+            </a:extLst>
+          </p:cNvPr>
+          <p:cNvSpPr>
+            <a:spLocks noGrp="1"/>
+          </p:cNvSpPr>
+          <p:nvPr>
+            <p:ph type="title"/>
+          </p:nvPr>
+        </p:nvSpPr>
+        <p:spPr/>
+        <p:txBody>
+          <a:bodyPr/>
+          <a:lstStyle/>
+          <a:p>
+            <a:r>
+              <a:rPr lang="es-ES" dirty="0" err="1"/>
+              <a:t>Problem</a:t>
+            </a:r>
+            <a:endParaRPr lang="en-GB" dirty="0"/>
+          </a:p>
+        </p:txBody>
+      </p:sp>
+      <p:sp>
+        <p:nvSpPr>
+          <p:cNvPr id="3" name="Content Placeholder 2">
+            <a:extLst>
+              <a:ext uri="{FF2B5EF4-FFF2-40B4-BE49-F238E27FC236}">
+                <a16:creationId xmlns:a16="http://schemas.microsoft.com/office/drawing/2014/main" id="{E8686444-F2BD-D1E2-6880-B2F795094354}"/>
+              </a:ext>
+            </a:extLst>
+          </p:cNvPr>
+          <p:cNvSpPr>
+            <a:spLocks noGrp="1"/>
+          </p:cNvSpPr>
+          <p:nvPr>
+            <p:ph idx="1"/>
+          </p:nvPr>
+        </p:nvSpPr>
+        <p:spPr/>
+        <p:txBody>
+          <a:bodyPr>
+            <a:normAutofit/>
+          </a:bodyPr>
+          <a:lstStyle/>
+          <a:p>
+            <a:pPr marL="0" indent="0">
+              <a:buNone/>
+            </a:pPr>
+            <a:r>
+              <a:rPr lang="en-GB" sz="1800" dirty="0"/>
+              <a:t>While considerable progress has been made in recent years at</a:t>
+            </a:r>
+            <a:r>
+              <a:rPr lang="en-150" sz="1800" dirty="0"/>
+              <a:t> </a:t>
+            </a:r>
+            <a:r>
+              <a:rPr lang="en-GB" sz="1800" dirty="0"/>
+              <a:t>national levels on action to achieve UN</a:t>
+            </a:r>
+            <a:r>
+              <a:rPr lang="en-150" sz="1800" dirty="0"/>
+              <a:t>’s Sustainable Development Goals (NDGS)</a:t>
+            </a:r>
+            <a:r>
+              <a:rPr lang="en-GB" sz="1800" dirty="0"/>
+              <a:t>, </a:t>
+            </a:r>
+            <a:r>
+              <a:rPr lang="en-150" sz="1800" dirty="0"/>
+              <a:t> the use of safety nuclear tech</a:t>
+            </a:r>
+            <a:r>
+              <a:rPr lang="en-GB" sz="1800" dirty="0"/>
+              <a:t>no</a:t>
+            </a:r>
+            <a:r>
+              <a:rPr lang="en-150" sz="1800" dirty="0"/>
+              <a:t>logy has not yet reach its potential as a mechanism to help countries to address key develop</a:t>
+            </a:r>
+            <a:r>
+              <a:rPr lang="en-GB" sz="1800" dirty="0"/>
+              <a:t>m</a:t>
+            </a:r>
+            <a:r>
+              <a:rPr lang="en-150" sz="1800" dirty="0" err="1"/>
+              <a:t>ent</a:t>
+            </a:r>
+            <a:r>
+              <a:rPr lang="en-150" sz="1800" dirty="0"/>
+              <a:t> priorities.</a:t>
+            </a:r>
+          </a:p>
+          <a:p>
+            <a:pPr marL="0" indent="0">
+              <a:buNone/>
+            </a:pPr>
+            <a:endParaRPr lang="en-150" dirty="0"/>
+          </a:p>
+          <a:p>
+            <a:pPr marL="0" indent="0">
+              <a:buNone/>
+            </a:pPr>
+            <a:endParaRPr lang="en-150" dirty="0"/>
+          </a:p>
+        </p:txBody>
+      </p:sp>
+    </p:spTree>
+    <p:extLst>
+      <p:ext uri="{BB962C8B-B14F-4D97-AF65-F5344CB8AC3E}">
+        <p14:creationId xmlns:p14="http://schemas.microsoft.com/office/powerpoint/2010/main" val="3210241592"/>
+      </p:ext>
+    </p:extLst>
+  </p:cSld>
+  <p:clrMapOvr>
+    <a:masterClrMapping/>
+  </p:clrMapOvr>
+  <p:extLst>
+    <p:ext uri="{6950BFC3-D8DA-4A85-94F7-54DA5524770B}">
+      <p188:commentRel xmlns:p188="http://schemas.microsoft.com/office/powerpoint/2018/8/main" r:id="rId2"/>
+    </p:ext>
+  </p:extLst>
+</p:sld>
+</file>
+
+<file path=ppt/slides/slide20.xml><?xml version="1.0" encoding="utf-8"?>
+<p:sld xmlns:a="http://schemas.openxmlformats.org/drawingml/2006/main" xmlns:r="http://schemas.openxmlformats.org/officeDocument/2006/relationships" xmlns:p="http://schemas.openxmlformats.org/presentationml/2006/main">
+  <p:cSld>
+    <p:spTree>
+      <p:nvGrpSpPr>
+        <p:cNvPr id="1" name=""/>
+        <p:cNvGrpSpPr/>
+        <p:nvPr/>
+      </p:nvGrpSpPr>
+      <p:grpSpPr>
+        <a:xfrm>
+          <a:off x="0" y="0"/>
+          <a:ext cx="0" cy="0"/>
+          <a:chOff x="0" y="0"/>
+          <a:chExt cx="0" cy="0"/>
+        </a:xfrm>
+      </p:grpSpPr>
+      <p:sp>
+        <p:nvSpPr>
+          <p:cNvPr id="2" name="Title 1">
+            <a:extLst>
+              <a:ext uri="{FF2B5EF4-FFF2-40B4-BE49-F238E27FC236}">
+                <a16:creationId xmlns:a16="http://schemas.microsoft.com/office/drawing/2014/main" id="{4979F251-428A-A1E8-3DAD-C76762EE43C0}"/>
+              </a:ext>
+            </a:extLst>
+          </p:cNvPr>
+          <p:cNvSpPr>
+            <a:spLocks noGrp="1"/>
+          </p:cNvSpPr>
+          <p:nvPr>
+            <p:ph type="title"/>
+          </p:nvPr>
+        </p:nvSpPr>
+        <p:spPr/>
+        <p:txBody>
+          <a:bodyPr/>
+          <a:lstStyle/>
+          <a:p>
+            <a:r>
+              <a:rPr lang="en-150" dirty="0"/>
+              <a:t>What is the challenge?</a:t>
+            </a:r>
+            <a:endParaRPr lang="en-GB" dirty="0"/>
+          </a:p>
+        </p:txBody>
+      </p:sp>
+      <p:sp>
+        <p:nvSpPr>
+          <p:cNvPr id="3" name="Content Placeholder 2">
+            <a:extLst>
+              <a:ext uri="{FF2B5EF4-FFF2-40B4-BE49-F238E27FC236}">
+                <a16:creationId xmlns:a16="http://schemas.microsoft.com/office/drawing/2014/main" id="{A3746C6E-4101-D3CC-2EC9-ABF6A567CF4D}"/>
+              </a:ext>
+            </a:extLst>
+          </p:cNvPr>
+          <p:cNvSpPr>
+            <a:spLocks noGrp="1"/>
+          </p:cNvSpPr>
+          <p:nvPr>
+            <p:ph idx="1"/>
+          </p:nvPr>
+        </p:nvSpPr>
+        <p:spPr>
+          <a:xfrm>
+            <a:off x="2152650" y="1825625"/>
+            <a:ext cx="7886700" cy="4667249"/>
+          </a:xfrm>
+        </p:spPr>
+        <p:txBody>
+          <a:bodyPr>
+            <a:normAutofit lnSpcReduction="10000"/>
+          </a:bodyPr>
+          <a:lstStyle/>
+          <a:p>
+            <a:r>
+              <a:rPr lang="en-150" sz="1800" dirty="0"/>
+              <a:t>FOAs have changed names over time.</a:t>
+            </a:r>
+          </a:p>
+          <a:p>
+            <a:pPr marL="0" indent="0">
+              <a:buNone/>
+            </a:pPr>
+            <a:endParaRPr lang="en-150" sz="1800" dirty="0"/>
+          </a:p>
+          <a:p>
+            <a:r>
+              <a:rPr lang="en-150" sz="1800" dirty="0"/>
+              <a:t>FOAs are named differently across data collection tools: Sometimes, questions were phrased refer</a:t>
+            </a:r>
+            <a:r>
+              <a:rPr lang="en-GB" sz="1800" dirty="0"/>
+              <a:t>r</a:t>
+            </a:r>
+            <a:r>
+              <a:rPr lang="en-150" sz="1800" dirty="0" err="1"/>
+              <a:t>ing</a:t>
+            </a:r>
+            <a:r>
+              <a:rPr lang="en-150" sz="1800" dirty="0"/>
+              <a:t> to a technology or to an improvement. </a:t>
+            </a:r>
+          </a:p>
+          <a:p>
+            <a:endParaRPr lang="en-150" sz="1800" dirty="0"/>
+          </a:p>
+          <a:p>
+            <a:r>
+              <a:rPr lang="en-150" sz="1800" dirty="0"/>
+              <a:t>If the data is to be comparable across instruments, and if the analysis is expected to conduct aggregations, a mapping should be conducted.</a:t>
+            </a:r>
+          </a:p>
+          <a:p>
+            <a:endParaRPr lang="en-150" sz="1800" dirty="0"/>
+          </a:p>
+          <a:p>
+            <a:pPr marL="0" indent="0">
+              <a:buNone/>
+            </a:pPr>
+            <a:r>
+              <a:rPr lang="en-150" sz="1800" dirty="0"/>
+              <a:t>*Remember. T</a:t>
+            </a:r>
+            <a:r>
+              <a:rPr lang="en-GB" sz="1800" dirty="0"/>
+              <a:t>h</a:t>
+            </a:r>
+            <a:r>
+              <a:rPr lang="en-150" sz="1800" dirty="0"/>
+              <a:t>ere are 4 main data sources used for the analysis:</a:t>
+            </a:r>
+          </a:p>
+          <a:p>
+            <a:pPr marL="0" indent="0">
+              <a:buNone/>
+            </a:pPr>
+            <a:endParaRPr lang="en-150" sz="1800" dirty="0"/>
+          </a:p>
+          <a:p>
+            <a:pPr marL="342900" indent="-342900">
+              <a:buAutoNum type="arabicPeriod"/>
+            </a:pPr>
+            <a:r>
+              <a:rPr lang="en-150" sz="1800" dirty="0"/>
+              <a:t>Historical list of projects supported</a:t>
+            </a:r>
+          </a:p>
+          <a:p>
+            <a:pPr marL="342900" indent="-342900">
+              <a:buAutoNum type="arabicPeriod"/>
+            </a:pPr>
+            <a:r>
+              <a:rPr lang="en-150" sz="1800" dirty="0"/>
+              <a:t>NLO 1</a:t>
+            </a:r>
+          </a:p>
+          <a:p>
+            <a:pPr marL="342900" indent="-342900">
+              <a:buAutoNum type="arabicPeriod"/>
+            </a:pPr>
+            <a:r>
+              <a:rPr lang="en-150" sz="1800" dirty="0"/>
+              <a:t>NLO 2</a:t>
+            </a:r>
+          </a:p>
+          <a:p>
+            <a:pPr marL="342900" indent="-342900">
+              <a:buAutoNum type="arabicPeriod"/>
+            </a:pPr>
+            <a:r>
+              <a:rPr lang="en-150" sz="1800" dirty="0"/>
+              <a:t>CP</a:t>
+            </a:r>
+          </a:p>
+          <a:p>
+            <a:pPr marL="0" indent="0">
+              <a:buNone/>
+            </a:pPr>
+            <a:endParaRPr lang="en-GB" sz="1800" dirty="0"/>
+          </a:p>
+        </p:txBody>
+      </p:sp>
+    </p:spTree>
+    <p:extLst>
+      <p:ext uri="{BB962C8B-B14F-4D97-AF65-F5344CB8AC3E}">
+        <p14:creationId xmlns:p14="http://schemas.microsoft.com/office/powerpoint/2010/main" val="3211934527"/>
+      </p:ext>
+    </p:extLst>
+  </p:cSld>
+  <p:clrMapOvr>
+    <a:masterClrMapping/>
+  </p:clrMapOvr>
+</p:sld>
+</file>
+
+<file path=ppt/slides/slide21.xml><?xml version="1.0" encoding="utf-8"?>
+<p:sld xmlns:a="http://schemas.openxmlformats.org/drawingml/2006/main" xmlns:r="http://schemas.openxmlformats.org/officeDocument/2006/relationships" xmlns:p="http://schemas.openxmlformats.org/presentationml/2006/main">
+  <p:cSld>
+    <p:spTree>
+      <p:nvGrpSpPr>
+        <p:cNvPr id="1" name="">
+          <a:extLst>
+            <a:ext uri="{FF2B5EF4-FFF2-40B4-BE49-F238E27FC236}">
+              <a16:creationId xmlns:a16="http://schemas.microsoft.com/office/drawing/2014/main" id="{85FC07AC-A5EC-FA6A-7084-69CA77706EA0}"/>
+            </a:ext>
+          </a:extLst>
+        </p:cNvPr>
+        <p:cNvGrpSpPr/>
+        <p:nvPr/>
+      </p:nvGrpSpPr>
+      <p:grpSpPr>
+        <a:xfrm>
+          <a:off x="0" y="0"/>
+          <a:ext cx="0" cy="0"/>
+          <a:chOff x="0" y="0"/>
+          <a:chExt cx="0" cy="0"/>
+        </a:xfrm>
+      </p:grpSpPr>
+      <p:sp>
+        <p:nvSpPr>
+          <p:cNvPr id="2" name="Title 1">
+            <a:extLst>
+              <a:ext uri="{FF2B5EF4-FFF2-40B4-BE49-F238E27FC236}">
+                <a16:creationId xmlns:a16="http://schemas.microsoft.com/office/drawing/2014/main" id="{F3403D08-9DD2-448D-4840-D1D9B285877F}"/>
+              </a:ext>
+            </a:extLst>
+          </p:cNvPr>
+          <p:cNvSpPr>
+            <a:spLocks noGrp="1"/>
+          </p:cNvSpPr>
+          <p:nvPr>
+            <p:ph type="title"/>
+          </p:nvPr>
+        </p:nvSpPr>
+        <p:spPr/>
+        <p:txBody>
+          <a:bodyPr/>
+          <a:lstStyle/>
+          <a:p>
+            <a:r>
+              <a:rPr lang="en-150" dirty="0"/>
+              <a:t>Result from data mapping</a:t>
+            </a:r>
+            <a:endParaRPr lang="en-GB" dirty="0"/>
+          </a:p>
+        </p:txBody>
+      </p:sp>
+      <p:sp>
+        <p:nvSpPr>
+          <p:cNvPr id="7" name="Content Placeholder 6">
+            <a:extLst>
+              <a:ext uri="{FF2B5EF4-FFF2-40B4-BE49-F238E27FC236}">
+                <a16:creationId xmlns:a16="http://schemas.microsoft.com/office/drawing/2014/main" id="{F615B1D6-7267-D49D-215E-DA12CEC45C4B}"/>
+              </a:ext>
+            </a:extLst>
+          </p:cNvPr>
+          <p:cNvSpPr>
+            <a:spLocks noGrp="1"/>
+          </p:cNvSpPr>
+          <p:nvPr>
+            <p:ph idx="1"/>
+          </p:nvPr>
+        </p:nvSpPr>
+        <p:spPr>
+          <a:xfrm>
+            <a:off x="2152650" y="1825625"/>
+            <a:ext cx="7886700" cy="1689932"/>
+          </a:xfrm>
+        </p:spPr>
+        <p:txBody>
+          <a:bodyPr/>
+          <a:lstStyle/>
+          <a:p>
+            <a:pPr marL="0" indent="0">
+              <a:buNone/>
+            </a:pPr>
+            <a:r>
+              <a:rPr lang="en-150" dirty="0"/>
+              <a:t>33 FOAs </a:t>
+            </a:r>
+            <a:r>
+              <a:rPr lang="en-150" dirty="0">
+                <a:sym typeface="Wingdings" panose="05000000000000000000" pitchFamily="2" charset="2"/>
+              </a:rPr>
+              <a:t> 22 Improvements  16 impacts</a:t>
+            </a:r>
+            <a:endParaRPr lang="en-GB" dirty="0"/>
+          </a:p>
+        </p:txBody>
+      </p:sp>
+    </p:spTree>
+    <p:extLst>
+      <p:ext uri="{BB962C8B-B14F-4D97-AF65-F5344CB8AC3E}">
+        <p14:creationId xmlns:p14="http://schemas.microsoft.com/office/powerpoint/2010/main" val="3296806011"/>
+      </p:ext>
+    </p:extLst>
+  </p:cSld>
+  <p:clrMapOvr>
+    <a:masterClrMapping/>
+  </p:clrMapOvr>
+</p:sld>
+</file>
+
+<file path=ppt/slides/slide22.xml><?xml version="1.0" encoding="utf-8"?>
+<p:sld xmlns:a="http://schemas.openxmlformats.org/drawingml/2006/main" xmlns:r="http://schemas.openxmlformats.org/officeDocument/2006/relationships" xmlns:p="http://schemas.openxmlformats.org/presentationml/2006/main">
+  <p:cSld>
+    <p:spTree>
+      <p:nvGrpSpPr>
+        <p:cNvPr id="1" name=""/>
+        <p:cNvGrpSpPr/>
+        <p:nvPr/>
+      </p:nvGrpSpPr>
+      <p:grpSpPr>
+        <a:xfrm>
+          <a:off x="0" y="0"/>
+          <a:ext cx="0" cy="0"/>
+          <a:chOff x="0" y="0"/>
+          <a:chExt cx="0" cy="0"/>
+        </a:xfrm>
+      </p:grpSpPr>
+      <p:sp>
+        <p:nvSpPr>
+          <p:cNvPr id="2" name="Title 1">
+            <a:extLst>
+              <a:ext uri="{FF2B5EF4-FFF2-40B4-BE49-F238E27FC236}">
+                <a16:creationId xmlns:a16="http://schemas.microsoft.com/office/drawing/2014/main" id="{4979F251-428A-A1E8-3DAD-C76762EE43C0}"/>
+              </a:ext>
+            </a:extLst>
+          </p:cNvPr>
+          <p:cNvSpPr>
+            <a:spLocks noGrp="1"/>
+          </p:cNvSpPr>
+          <p:nvPr>
+            <p:ph type="title"/>
+          </p:nvPr>
+        </p:nvSpPr>
+        <p:spPr/>
+        <p:txBody>
+          <a:bodyPr/>
+          <a:lstStyle/>
+          <a:p>
+            <a:r>
+              <a:rPr lang="en-150" dirty="0"/>
+              <a:t>What is the challenge?</a:t>
+            </a:r>
+            <a:endParaRPr lang="en-GB" dirty="0"/>
+          </a:p>
+        </p:txBody>
+      </p:sp>
+      <p:sp>
+        <p:nvSpPr>
+          <p:cNvPr id="3" name="Content Placeholder 2">
+            <a:extLst>
+              <a:ext uri="{FF2B5EF4-FFF2-40B4-BE49-F238E27FC236}">
+                <a16:creationId xmlns:a16="http://schemas.microsoft.com/office/drawing/2014/main" id="{A3746C6E-4101-D3CC-2EC9-ABF6A567CF4D}"/>
+              </a:ext>
+            </a:extLst>
+          </p:cNvPr>
+          <p:cNvSpPr>
+            <a:spLocks noGrp="1"/>
+          </p:cNvSpPr>
+          <p:nvPr>
+            <p:ph idx="1"/>
+          </p:nvPr>
+        </p:nvSpPr>
+        <p:spPr>
+          <a:xfrm>
+            <a:off x="2152650" y="1825625"/>
+            <a:ext cx="7886700" cy="4667249"/>
+          </a:xfrm>
+        </p:spPr>
+        <p:txBody>
+          <a:bodyPr>
+            <a:normAutofit lnSpcReduction="10000"/>
+          </a:bodyPr>
+          <a:lstStyle/>
+          <a:p>
+            <a:r>
+              <a:rPr lang="en-150" sz="1800" dirty="0"/>
+              <a:t>FOAs have changed names over time.</a:t>
+            </a:r>
+          </a:p>
+          <a:p>
+            <a:pPr marL="0" indent="0">
+              <a:buNone/>
+            </a:pPr>
+            <a:endParaRPr lang="en-150" sz="1800" dirty="0"/>
+          </a:p>
+          <a:p>
+            <a:r>
+              <a:rPr lang="en-150" sz="1800" dirty="0"/>
+              <a:t>FOAs are named differently across data collection tools: Sometimes, questions were phrased refer</a:t>
+            </a:r>
+            <a:r>
+              <a:rPr lang="en-GB" sz="1800" dirty="0"/>
+              <a:t>r</a:t>
+            </a:r>
+            <a:r>
+              <a:rPr lang="en-150" sz="1800" dirty="0" err="1"/>
+              <a:t>ing</a:t>
+            </a:r>
+            <a:r>
+              <a:rPr lang="en-150" sz="1800" dirty="0"/>
+              <a:t> to a technology or to an improvement. </a:t>
+            </a:r>
+          </a:p>
+          <a:p>
+            <a:endParaRPr lang="en-150" sz="1800" dirty="0"/>
+          </a:p>
+          <a:p>
+            <a:r>
+              <a:rPr lang="en-150" sz="1800" dirty="0"/>
+              <a:t>If the data is to be comparable across instruments, and if the analysis is expected to conduct aggregations, a mapping should be conducted.</a:t>
+            </a:r>
+          </a:p>
+          <a:p>
+            <a:endParaRPr lang="en-150" sz="1800" dirty="0"/>
+          </a:p>
+          <a:p>
+            <a:pPr marL="0" indent="0">
+              <a:buNone/>
+            </a:pPr>
+            <a:r>
+              <a:rPr lang="en-150" sz="1800" dirty="0"/>
+              <a:t>*Remember. T</a:t>
+            </a:r>
+            <a:r>
+              <a:rPr lang="en-GB" sz="1800" dirty="0"/>
+              <a:t>h</a:t>
+            </a:r>
+            <a:r>
+              <a:rPr lang="en-150" sz="1800" dirty="0"/>
+              <a:t>ere are 4 main data sources used for the analysis:</a:t>
+            </a:r>
+          </a:p>
+          <a:p>
+            <a:pPr marL="0" indent="0">
+              <a:buNone/>
+            </a:pPr>
+            <a:endParaRPr lang="en-150" sz="1800" dirty="0"/>
+          </a:p>
+          <a:p>
+            <a:pPr marL="342900" indent="-342900">
+              <a:buAutoNum type="arabicPeriod"/>
+            </a:pPr>
+            <a:r>
+              <a:rPr lang="en-150" sz="1800" dirty="0"/>
+              <a:t>Historical list of projects supported</a:t>
+            </a:r>
+          </a:p>
+          <a:p>
+            <a:pPr marL="342900" indent="-342900">
+              <a:buAutoNum type="arabicPeriod"/>
+            </a:pPr>
+            <a:r>
+              <a:rPr lang="en-150" sz="1800" dirty="0"/>
+              <a:t>NLO 1</a:t>
+            </a:r>
+          </a:p>
+          <a:p>
+            <a:pPr marL="342900" indent="-342900">
+              <a:buAutoNum type="arabicPeriod"/>
+            </a:pPr>
+            <a:r>
+              <a:rPr lang="en-150" sz="1800" dirty="0"/>
+              <a:t>NLO 2</a:t>
+            </a:r>
+          </a:p>
+          <a:p>
+            <a:pPr marL="342900" indent="-342900">
+              <a:buAutoNum type="arabicPeriod"/>
+            </a:pPr>
+            <a:r>
+              <a:rPr lang="en-150" sz="1800" dirty="0"/>
+              <a:t>CP</a:t>
+            </a:r>
+          </a:p>
+          <a:p>
+            <a:pPr marL="0" indent="0">
+              <a:buNone/>
+            </a:pPr>
+            <a:endParaRPr lang="en-GB" sz="1800" dirty="0"/>
+          </a:p>
+        </p:txBody>
+      </p:sp>
+    </p:spTree>
+    <p:extLst>
+      <p:ext uri="{BB962C8B-B14F-4D97-AF65-F5344CB8AC3E}">
+        <p14:creationId xmlns:p14="http://schemas.microsoft.com/office/powerpoint/2010/main" val="4066522602"/>
+      </p:ext>
+    </p:extLst>
+  </p:cSld>
+  <p:clrMapOvr>
+    <a:masterClrMapping/>
+  </p:clrMapOvr>
+</p:sld>
+</file>
+
 <file path=ppt/slides/slide3.xml><?xml version="1.0" encoding="utf-8"?>
 <p:sld xmlns:a="http://schemas.openxmlformats.org/drawingml/2006/main" xmlns:r="http://schemas.openxmlformats.org/officeDocument/2006/relationships" xmlns:p="http://schemas.openxmlformats.org/presentationml/2006/main">
   <p:cSld>
@@ -17193,8 +17872,8 @@
               <a:t> (</a:t>
             </a:r>
             <a:r>
-              <a:rPr lang="es-ES" dirty="0" err="1"/>
-              <a:t>effectiveness</a:t>
+              <a:rPr lang="en-150" b="1" dirty="0"/>
+              <a:t>Effectiveness</a:t>
             </a:r>
             <a:r>
               <a:rPr lang="es-ES" dirty="0"/>
@@ -17228,7 +17907,7 @@
         </p:spPr>
         <p:txBody>
           <a:bodyPr>
-            <a:normAutofit fontScale="25000" lnSpcReduction="20000"/>
+            <a:normAutofit/>
           </a:bodyPr>
           <a:lstStyle/>
           <a:p>
@@ -17239,125 +17918,383 @@
               <a:buNone/>
             </a:pPr>
             <a:r>
-              <a:rPr lang="en-GB" sz="7200" dirty="0"/>
+              <a:rPr lang="en-GB" sz="1800" dirty="0"/>
               <a:t>An intermediate outcome provides </a:t>
             </a:r>
             <a:r>
-              <a:rPr lang="en-GB" sz="7200" b="1" dirty="0"/>
+              <a:rPr lang="en-GB" sz="1800" b="1" dirty="0"/>
               <a:t>an interim indication of initial uptake by</a:t>
             </a:r>
             <a:r>
-              <a:rPr lang="en-150" sz="7200" b="1" dirty="0"/>
+              <a:rPr lang="en-150" sz="1800" b="1" dirty="0"/>
               <a:t> </a:t>
             </a:r>
             <a:r>
-              <a:rPr lang="en-GB" sz="7200" b="1" dirty="0"/>
+              <a:rPr lang="en-GB" sz="1800" b="1" dirty="0"/>
               <a:t>programme stakeholders</a:t>
             </a:r>
             <a:r>
-              <a:rPr lang="en-150" sz="7200" b="1" dirty="0"/>
+              <a:rPr lang="en-150" sz="1800" b="1" dirty="0"/>
               <a:t>. </a:t>
             </a:r>
             <a:r>
-              <a:rPr lang="en-GB" sz="7200" dirty="0"/>
+              <a:rPr lang="en-GB" sz="1800" dirty="0"/>
               <a:t>The logic of the intermediate outcome is that programme-supported outputs</a:t>
             </a:r>
             <a:r>
-              <a:rPr lang="en-150" sz="7200" dirty="0"/>
+              <a:rPr lang="en-150" sz="1800" dirty="0"/>
               <a:t> </a:t>
             </a:r>
             <a:r>
-              <a:rPr lang="en-GB" sz="7200" dirty="0"/>
+              <a:rPr lang="en-GB" sz="1800" dirty="0"/>
               <a:t>should be adopted or taken up by the stakeholders that work most directly with the</a:t>
             </a:r>
             <a:r>
-              <a:rPr lang="en-150" sz="7200" dirty="0"/>
+              <a:rPr lang="en-150" sz="1800" dirty="0"/>
               <a:t> </a:t>
             </a:r>
             <a:r>
-              <a:rPr lang="en-GB" sz="7200" dirty="0"/>
+              <a:rPr lang="en-GB" sz="1800" dirty="0"/>
               <a:t>programme, who are then responsible for using or implementing those outputs to</a:t>
             </a:r>
             <a:r>
-              <a:rPr lang="en-150" sz="7200" dirty="0"/>
+              <a:rPr lang="en-150" sz="1800" dirty="0"/>
               <a:t> </a:t>
             </a:r>
             <a:r>
-              <a:rPr lang="en-GB" sz="7200" dirty="0"/>
+              <a:rPr lang="en-GB" sz="1800" dirty="0"/>
               <a:t>achieve their intended purpose</a:t>
             </a:r>
             <a:r>
-              <a:rPr lang="en-150" sz="7200" dirty="0"/>
+              <a:rPr lang="en-150" sz="1800" dirty="0"/>
               <a:t>.</a:t>
             </a:r>
-          </a:p>
-          <a:p>
-            <a:pPr marL="0" indent="0">
-              <a:buNone/>
-            </a:pPr>
-            <a:endParaRPr lang="en-150" sz="4500" dirty="0"/>
-          </a:p>
-          <a:p>
-            <a:r>
-              <a:rPr lang="en-150" sz="7200" dirty="0"/>
-              <a:t>Adoption of Plans/Policies/Programmes or Technical Standards by National Entities</a:t>
-            </a:r>
-          </a:p>
-          <a:p>
-            <a:endParaRPr lang="en-150" sz="7200" dirty="0"/>
-          </a:p>
-          <a:p>
-            <a:r>
-              <a:rPr lang="es-ES" sz="7200" dirty="0"/>
-              <a:t>Produce d</a:t>
-            </a:r>
-            <a:r>
-              <a:rPr lang="en-150" sz="7200" dirty="0" err="1"/>
-              <a:t>ata</a:t>
-            </a:r>
-            <a:r>
-              <a:rPr lang="en-150" sz="7200" dirty="0"/>
-              <a:t> to inform policies/regulatory bodies</a:t>
-            </a:r>
-          </a:p>
-          <a:p>
-            <a:endParaRPr lang="en-150" sz="7200" dirty="0"/>
-          </a:p>
-          <a:p>
-            <a:r>
-              <a:rPr lang="en-GB" sz="7200" dirty="0"/>
-              <a:t>Develop regulatory frameworks / new technical guidelines</a:t>
-            </a:r>
-          </a:p>
-          <a:p>
-            <a:endParaRPr lang="en-GB" sz="7200" dirty="0"/>
-          </a:p>
-          <a:p>
-            <a:r>
-              <a:rPr lang="en-GB" sz="7200" dirty="0"/>
-              <a:t>Upgraded institutions/laboratories/educational/</a:t>
-            </a:r>
-            <a:r>
-              <a:rPr lang="en-GB" sz="7200" dirty="0" err="1"/>
-              <a:t>centers</a:t>
-            </a:r>
-            <a:endParaRPr lang="en-GB" sz="7200" dirty="0"/>
-          </a:p>
-          <a:p>
-            <a:pPr marL="0" indent="0">
-              <a:buNone/>
-            </a:pPr>
-            <a:endParaRPr lang="en-GB" sz="7200" dirty="0"/>
-          </a:p>
-          <a:p>
-            <a:r>
-              <a:rPr lang="en-GB" sz="7200" dirty="0"/>
-              <a:t>Curricula in new professions</a:t>
-            </a:r>
-            <a:endParaRPr lang="en-150" sz="7200" dirty="0"/>
           </a:p>
         </p:txBody>
       </p:sp>
+      <p:grpSp>
+        <p:nvGrpSpPr>
+          <p:cNvPr id="15" name="Group 14">
+            <a:extLst>
+              <a:ext uri="{FF2B5EF4-FFF2-40B4-BE49-F238E27FC236}">
+                <a16:creationId xmlns:a16="http://schemas.microsoft.com/office/drawing/2014/main" id="{A3178157-CB11-5B5D-02D6-7DCB209FB548}"/>
+              </a:ext>
+            </a:extLst>
+          </p:cNvPr>
+          <p:cNvGrpSpPr/>
+          <p:nvPr/>
+        </p:nvGrpSpPr>
+        <p:grpSpPr>
+          <a:xfrm>
+            <a:off x="8883995" y="2289186"/>
+            <a:ext cx="1696822" cy="4465763"/>
+            <a:chOff x="5754715" y="1811666"/>
+            <a:chExt cx="1696822" cy="4465763"/>
+          </a:xfrm>
+        </p:grpSpPr>
+        <p:sp>
+          <p:nvSpPr>
+            <p:cNvPr id="10" name="Rectangle: Rounded Corners 9">
+              <a:extLst>
+                <a:ext uri="{FF2B5EF4-FFF2-40B4-BE49-F238E27FC236}">
+                  <a16:creationId xmlns:a16="http://schemas.microsoft.com/office/drawing/2014/main" id="{D4E6D2FB-FCCA-B2FF-E3AD-872E8995800C}"/>
+                </a:ext>
+              </a:extLst>
+            </p:cNvPr>
+            <p:cNvSpPr/>
+            <p:nvPr/>
+          </p:nvSpPr>
+          <p:spPr>
+            <a:xfrm>
+              <a:off x="5792944" y="3576113"/>
+              <a:ext cx="1630018" cy="755373"/>
+            </a:xfrm>
+            <a:prstGeom prst="roundRect">
+              <a:avLst/>
+            </a:prstGeom>
+            <a:solidFill>
+              <a:srgbClr val="007DBC"/>
+            </a:solidFill>
+            <a:ln>
+              <a:solidFill>
+                <a:schemeClr val="bg1"/>
+              </a:solidFill>
+            </a:ln>
+          </p:spPr>
+          <p:style>
+            <a:lnRef idx="2">
+              <a:schemeClr val="accent1">
+                <a:shade val="15000"/>
+              </a:schemeClr>
+            </a:lnRef>
+            <a:fillRef idx="1">
+              <a:schemeClr val="accent1"/>
+            </a:fillRef>
+            <a:effectRef idx="0">
+              <a:schemeClr val="accent1"/>
+            </a:effectRef>
+            <a:fontRef idx="minor">
+              <a:schemeClr val="lt1"/>
+            </a:fontRef>
+          </p:style>
+          <p:txBody>
+            <a:bodyPr rtlCol="0" anchor="ctr"/>
+            <a:lstStyle/>
+            <a:p>
+              <a:r>
+                <a:rPr lang="en-150" sz="900" dirty="0"/>
+                <a:t>* </a:t>
+              </a:r>
+              <a:r>
+                <a:rPr lang="en-GB" sz="900" dirty="0"/>
+                <a:t>Produce data to inform policies</a:t>
+              </a:r>
+            </a:p>
+          </p:txBody>
+        </p:sp>
+        <p:sp>
+          <p:nvSpPr>
+            <p:cNvPr id="11" name="Rectangle: Rounded Corners 10">
+              <a:extLst>
+                <a:ext uri="{FF2B5EF4-FFF2-40B4-BE49-F238E27FC236}">
+                  <a16:creationId xmlns:a16="http://schemas.microsoft.com/office/drawing/2014/main" id="{80FB6E16-CDD0-F1ED-270B-CF6714AB98CF}"/>
+                </a:ext>
+              </a:extLst>
+            </p:cNvPr>
+            <p:cNvSpPr/>
+            <p:nvPr/>
+          </p:nvSpPr>
+          <p:spPr>
+            <a:xfrm>
+              <a:off x="5821519" y="2719054"/>
+              <a:ext cx="1630018" cy="755373"/>
+            </a:xfrm>
+            <a:prstGeom prst="roundRect">
+              <a:avLst/>
+            </a:prstGeom>
+            <a:solidFill>
+              <a:srgbClr val="007DBC"/>
+            </a:solidFill>
+            <a:ln>
+              <a:solidFill>
+                <a:schemeClr val="bg1"/>
+              </a:solidFill>
+            </a:ln>
+          </p:spPr>
+          <p:style>
+            <a:lnRef idx="2">
+              <a:schemeClr val="accent1">
+                <a:shade val="15000"/>
+              </a:schemeClr>
+            </a:lnRef>
+            <a:fillRef idx="1">
+              <a:schemeClr val="accent1"/>
+            </a:fillRef>
+            <a:effectRef idx="0">
+              <a:schemeClr val="accent1"/>
+            </a:effectRef>
+            <a:fontRef idx="minor">
+              <a:schemeClr val="lt1"/>
+            </a:fontRef>
+          </p:style>
+          <p:txBody>
+            <a:bodyPr rtlCol="0" anchor="ctr"/>
+            <a:lstStyle/>
+            <a:p>
+              <a:r>
+                <a:rPr lang="en-150" sz="900" dirty="0"/>
+                <a:t>* </a:t>
+              </a:r>
+              <a:r>
+                <a:rPr lang="en-GB" sz="900" dirty="0"/>
+                <a:t>Develop regulatory frameworks / new technical guidelines</a:t>
+              </a:r>
+            </a:p>
+          </p:txBody>
+        </p:sp>
+        <p:sp>
+          <p:nvSpPr>
+            <p:cNvPr id="12" name="Rectangle: Rounded Corners 11">
+              <a:extLst>
+                <a:ext uri="{FF2B5EF4-FFF2-40B4-BE49-F238E27FC236}">
+                  <a16:creationId xmlns:a16="http://schemas.microsoft.com/office/drawing/2014/main" id="{41A65E09-6E0B-CD66-D45D-D226E8361F1E}"/>
+                </a:ext>
+              </a:extLst>
+            </p:cNvPr>
+            <p:cNvSpPr/>
+            <p:nvPr/>
+          </p:nvSpPr>
+          <p:spPr>
+            <a:xfrm>
+              <a:off x="5796926" y="4590598"/>
+              <a:ext cx="1630018" cy="755373"/>
+            </a:xfrm>
+            <a:prstGeom prst="roundRect">
+              <a:avLst/>
+            </a:prstGeom>
+            <a:solidFill>
+              <a:srgbClr val="007DBC"/>
+            </a:solidFill>
+            <a:ln>
+              <a:solidFill>
+                <a:schemeClr val="bg1"/>
+              </a:solidFill>
+            </a:ln>
+          </p:spPr>
+          <p:style>
+            <a:lnRef idx="2">
+              <a:schemeClr val="accent1">
+                <a:shade val="15000"/>
+              </a:schemeClr>
+            </a:lnRef>
+            <a:fillRef idx="1">
+              <a:schemeClr val="accent1"/>
+            </a:fillRef>
+            <a:effectRef idx="0">
+              <a:schemeClr val="accent1"/>
+            </a:effectRef>
+            <a:fontRef idx="minor">
+              <a:schemeClr val="lt1"/>
+            </a:fontRef>
+          </p:style>
+          <p:txBody>
+            <a:bodyPr rtlCol="0" anchor="ctr"/>
+            <a:lstStyle/>
+            <a:p>
+              <a:r>
+                <a:rPr lang="en-150" sz="900" dirty="0"/>
+                <a:t>* </a:t>
+              </a:r>
+              <a:r>
+                <a:rPr lang="en-GB" sz="900" dirty="0"/>
+                <a:t>Upgraded institutions/laboratories/educational/</a:t>
+              </a:r>
+              <a:r>
+                <a:rPr lang="en-GB" sz="900" dirty="0" err="1"/>
+                <a:t>centers</a:t>
+              </a:r>
+              <a:endParaRPr lang="en-GB" sz="900" dirty="0"/>
+            </a:p>
+          </p:txBody>
+        </p:sp>
+        <p:sp>
+          <p:nvSpPr>
+            <p:cNvPr id="13" name="Rectangle: Rounded Corners 12">
+              <a:extLst>
+                <a:ext uri="{FF2B5EF4-FFF2-40B4-BE49-F238E27FC236}">
+                  <a16:creationId xmlns:a16="http://schemas.microsoft.com/office/drawing/2014/main" id="{A56329AF-F408-3123-31F1-10C3B66B8F04}"/>
+                </a:ext>
+              </a:extLst>
+            </p:cNvPr>
+            <p:cNvSpPr/>
+            <p:nvPr/>
+          </p:nvSpPr>
+          <p:spPr>
+            <a:xfrm>
+              <a:off x="5754715" y="5522056"/>
+              <a:ext cx="1630018" cy="755373"/>
+            </a:xfrm>
+            <a:prstGeom prst="roundRect">
+              <a:avLst/>
+            </a:prstGeom>
+            <a:solidFill>
+              <a:srgbClr val="007DBC"/>
+            </a:solidFill>
+            <a:ln>
+              <a:solidFill>
+                <a:schemeClr val="bg1"/>
+              </a:solidFill>
+            </a:ln>
+          </p:spPr>
+          <p:style>
+            <a:lnRef idx="2">
+              <a:schemeClr val="accent1">
+                <a:shade val="15000"/>
+              </a:schemeClr>
+            </a:lnRef>
+            <a:fillRef idx="1">
+              <a:schemeClr val="accent1"/>
+            </a:fillRef>
+            <a:effectRef idx="0">
+              <a:schemeClr val="accent1"/>
+            </a:effectRef>
+            <a:fontRef idx="minor">
+              <a:schemeClr val="lt1"/>
+            </a:fontRef>
+          </p:style>
+          <p:txBody>
+            <a:bodyPr rtlCol="0" anchor="ctr"/>
+            <a:lstStyle/>
+            <a:p>
+              <a:r>
+                <a:rPr lang="en-150" sz="900" dirty="0"/>
+                <a:t>* </a:t>
+              </a:r>
+              <a:r>
+                <a:rPr lang="en-GB" sz="900" dirty="0"/>
+                <a:t>Curricula in new professions</a:t>
+              </a:r>
+            </a:p>
+          </p:txBody>
+        </p:sp>
+        <p:sp>
+          <p:nvSpPr>
+            <p:cNvPr id="14" name="Rectangle: Rounded Corners 13">
+              <a:extLst>
+                <a:ext uri="{FF2B5EF4-FFF2-40B4-BE49-F238E27FC236}">
+                  <a16:creationId xmlns:a16="http://schemas.microsoft.com/office/drawing/2014/main" id="{ABD6790D-134E-CAC3-6855-B89EF3A8F9EE}"/>
+                </a:ext>
+              </a:extLst>
+            </p:cNvPr>
+            <p:cNvSpPr/>
+            <p:nvPr/>
+          </p:nvSpPr>
+          <p:spPr>
+            <a:xfrm>
+              <a:off x="5818858" y="1811666"/>
+              <a:ext cx="1630018" cy="755373"/>
+            </a:xfrm>
+            <a:prstGeom prst="roundRect">
+              <a:avLst/>
+            </a:prstGeom>
+            <a:solidFill>
+              <a:srgbClr val="007DBC"/>
+            </a:solidFill>
+            <a:ln>
+              <a:solidFill>
+                <a:schemeClr val="bg1"/>
+              </a:solidFill>
+            </a:ln>
+          </p:spPr>
+          <p:style>
+            <a:lnRef idx="2">
+              <a:schemeClr val="accent1">
+                <a:shade val="15000"/>
+              </a:schemeClr>
+            </a:lnRef>
+            <a:fillRef idx="1">
+              <a:schemeClr val="accent1"/>
+            </a:fillRef>
+            <a:effectRef idx="0">
+              <a:schemeClr val="accent1"/>
+            </a:effectRef>
+            <a:fontRef idx="minor">
+              <a:schemeClr val="lt1"/>
+            </a:fontRef>
+          </p:style>
+          <p:txBody>
+            <a:bodyPr rtlCol="0" anchor="ctr"/>
+            <a:lstStyle/>
+            <a:p>
+              <a:r>
+                <a:rPr lang="en-150" sz="900" dirty="0"/>
+                <a:t>*Introduce new technologies</a:t>
+              </a:r>
+              <a:endParaRPr lang="en-GB" sz="900" dirty="0"/>
+            </a:p>
+          </p:txBody>
+        </p:sp>
+      </p:grpSp>
     </p:spTree>
     <p:extLst>
       <p:ext uri="{BB962C8B-B14F-4D97-AF65-F5344CB8AC3E}">
@@ -17420,7 +18357,7 @@
             </a:r>
             <a:r>
               <a:rPr lang="en-150" dirty="0"/>
-              <a:t> (sustainability)</a:t>
+              <a:t> (Sustainability)</a:t>
             </a:r>
             <a:endParaRPr lang="en-GB" dirty="0"/>
           </a:p>
@@ -17441,7 +18378,7 @@
         <p:spPr>
           <a:xfrm>
             <a:off x="944216" y="1616129"/>
-            <a:ext cx="10942983" cy="6186309"/>
+            <a:ext cx="10942983" cy="1754326"/>
           </a:xfrm>
           <a:prstGeom prst="rect">
             <a:avLst/>
@@ -17503,21 +18440,67 @@
             <a:endParaRPr lang="en-150" dirty="0"/>
           </a:p>
           <a:p>
+            <a:endParaRPr lang="en-150" dirty="0"/>
+          </a:p>
+          <a:p>
+            <a:endParaRPr lang="en-GB" dirty="0"/>
+          </a:p>
+        </p:txBody>
+      </p:sp>
+      <p:sp>
+        <p:nvSpPr>
+          <p:cNvPr id="9" name="TextBox 8">
+            <a:extLst>
+              <a:ext uri="{FF2B5EF4-FFF2-40B4-BE49-F238E27FC236}">
+                <a16:creationId xmlns:a16="http://schemas.microsoft.com/office/drawing/2014/main" id="{DDCDDBC7-990A-E9D2-3021-275BE444DA30}"/>
+              </a:ext>
+            </a:extLst>
+          </p:cNvPr>
+          <p:cNvSpPr txBox="1"/>
+          <p:nvPr/>
+        </p:nvSpPr>
+        <p:spPr>
+          <a:xfrm>
+            <a:off x="1446939" y="3194419"/>
+            <a:ext cx="7391400" cy="3139321"/>
+          </a:xfrm>
+          <a:prstGeom prst="rect">
+            <a:avLst/>
+          </a:prstGeom>
+          <a:noFill/>
+        </p:spPr>
+        <p:txBody>
+          <a:bodyPr wrap="square">
+            <a:spAutoFit/>
+          </a:bodyPr>
+          <a:lstStyle/>
+          <a:p>
             <a:pPr marL="285750" indent="-285750">
               <a:buFont typeface="Arial" panose="020B0604020202020204" pitchFamily="34" charset="0"/>
               <a:buChar char="•"/>
             </a:pPr>
             <a:r>
-              <a:rPr lang="en-150" dirty="0"/>
-              <a:t>Standardization and procedures in alignment with international practices applied</a:t>
-            </a:r>
+              <a:rPr lang="en-GB" sz="1800" b="0" i="0" dirty="0">
+                <a:effectLst/>
+                <a:latin typeface="Google Sans"/>
+              </a:rPr>
+              <a:t>Increased use of a new technology/tool or technique in a specific sector</a:t>
+            </a:r>
+            <a:endParaRPr lang="en-150" sz="1800" b="0" i="0" dirty="0">
+              <a:effectLst/>
+              <a:latin typeface="Google Sans"/>
+            </a:endParaRPr>
           </a:p>
           <a:p>
             <a:pPr marL="285750" indent="-285750">
               <a:buFont typeface="Arial" panose="020B0604020202020204" pitchFamily="34" charset="0"/>
               <a:buChar char="•"/>
             </a:pPr>
-            <a:endParaRPr lang="en-150" dirty="0"/>
+            <a:r>
+              <a:rPr lang="en-GB" sz="1800" dirty="0"/>
+              <a:t>Adoption of Plans/Policies/Programmes or Technical Standards by National Entities</a:t>
+            </a:r>
+            <a:endParaRPr lang="en-150" sz="1800" dirty="0"/>
           </a:p>
           <a:p>
             <a:pPr marL="285750" indent="-285750">
@@ -17525,32 +18508,26 @@
               <a:buChar char="•"/>
             </a:pPr>
             <a:r>
-              <a:rPr lang="en-GB" b="0" i="0" dirty="0">
-                <a:solidFill>
-                  <a:srgbClr val="1F1F1F"/>
-                </a:solidFill>
-                <a:effectLst/>
+              <a:rPr lang="en-150" sz="1800" dirty="0">
                 <a:latin typeface="Google Sans"/>
               </a:rPr>
-              <a:t>Development of national or regional education programmes</a:t>
-            </a:r>
-            <a:endParaRPr lang="en-150" b="0" i="0" dirty="0">
-              <a:solidFill>
-                <a:srgbClr val="1F1F1F"/>
-              </a:solidFill>
-              <a:effectLst/>
-              <a:latin typeface="Google Sans"/>
-            </a:endParaRPr>
+              <a:t>Use of data to inform regulatory</a:t>
+            </a:r>
           </a:p>
           <a:p>
             <a:pPr marL="285750" indent="-285750">
               <a:buFont typeface="Arial" panose="020B0604020202020204" pitchFamily="34" charset="0"/>
               <a:buChar char="•"/>
             </a:pPr>
-            <a:endParaRPr lang="en-150" dirty="0">
-              <a:solidFill>
-                <a:srgbClr val="1F1F1F"/>
-              </a:solidFill>
+            <a:r>
+              <a:rPr lang="en-GB" sz="1800" b="0" i="0" dirty="0">
+                <a:effectLst/>
+                <a:latin typeface="Google Sans"/>
+              </a:rPr>
+              <a:t>Creation of new Institution/ Laboratory/Education Centres</a:t>
+            </a:r>
+            <a:endParaRPr lang="en-150" sz="1800" b="0" i="0" dirty="0">
+              <a:effectLst/>
               <a:latin typeface="Google Sans"/>
             </a:endParaRPr>
           </a:p>
@@ -17560,19 +18537,13 @@
               <a:buChar char="•"/>
             </a:pPr>
             <a:r>
-              <a:rPr lang="en-GB" b="0" i="0" dirty="0">
-                <a:solidFill>
-                  <a:srgbClr val="1F1F1F"/>
-                </a:solidFill>
+              <a:rPr lang="en-GB" sz="1800" b="0" i="0" dirty="0">
                 <a:effectLst/>
                 <a:latin typeface="Google Sans"/>
               </a:rPr>
-              <a:t>Increased use of a new technology/tool or technique in a specific sector</a:t>
-            </a:r>
-            <a:endParaRPr lang="en-150" b="0" i="0" dirty="0">
-              <a:solidFill>
-                <a:srgbClr val="1F1F1F"/>
-              </a:solidFill>
+              <a:t>New profession recognized/ More professionals in the workforce</a:t>
+            </a:r>
+            <a:endParaRPr lang="en-150" sz="1800" b="0" i="0" dirty="0">
               <a:effectLst/>
               <a:latin typeface="Google Sans"/>
             </a:endParaRPr>
@@ -17582,67 +18553,28 @@
               <a:buFont typeface="Arial" panose="020B0604020202020204" pitchFamily="34" charset="0"/>
               <a:buChar char="•"/>
             </a:pPr>
-            <a:endParaRPr lang="en-150" dirty="0">
-              <a:solidFill>
-                <a:srgbClr val="1F1F1F"/>
-              </a:solidFill>
-              <a:latin typeface="Google Sans"/>
-            </a:endParaRPr>
+            <a:endParaRPr lang="en-GB" dirty="0"/>
           </a:p>
           <a:p>
             <a:pPr marL="285750" indent="-285750">
               <a:buFont typeface="Arial" panose="020B0604020202020204" pitchFamily="34" charset="0"/>
               <a:buChar char="•"/>
             </a:pPr>
-            <a:r>
-              <a:rPr lang="en-GB" b="0" i="0" dirty="0">
-                <a:solidFill>
-                  <a:srgbClr val="1F1F1F"/>
-                </a:solidFill>
-                <a:effectLst/>
-                <a:latin typeface="Google Sans"/>
-              </a:rPr>
-              <a:t>National programmes promoting new technology</a:t>
-            </a:r>
-            <a:endParaRPr lang="en-150" b="0" i="0" dirty="0">
-              <a:solidFill>
-                <a:srgbClr val="1F1F1F"/>
-              </a:solidFill>
-              <a:effectLst/>
-              <a:latin typeface="Google Sans"/>
-            </a:endParaRPr>
+            <a:endParaRPr lang="en-GB" dirty="0"/>
           </a:p>
           <a:p>
             <a:pPr marL="285750" indent="-285750">
               <a:buFont typeface="Arial" panose="020B0604020202020204" pitchFamily="34" charset="0"/>
               <a:buChar char="•"/>
             </a:pPr>
-            <a:endParaRPr lang="en-150" dirty="0">
-              <a:solidFill>
-                <a:srgbClr val="1F1F1F"/>
-              </a:solidFill>
-              <a:latin typeface="Google Sans"/>
-            </a:endParaRPr>
+            <a:endParaRPr lang="en-GB" sz="1800" dirty="0"/>
           </a:p>
           <a:p>
             <a:pPr marL="285750" indent="-285750">
               <a:buFont typeface="Arial" panose="020B0604020202020204" pitchFamily="34" charset="0"/>
               <a:buChar char="•"/>
             </a:pPr>
-            <a:r>
-              <a:rPr lang="en-GB" b="0" i="0" dirty="0">
-                <a:solidFill>
-                  <a:srgbClr val="1F1F1F"/>
-                </a:solidFill>
-                <a:effectLst/>
-                <a:latin typeface="Google Sans"/>
-              </a:rPr>
-              <a:t>Creation of new Institution/ Laboratory/Education Centres</a:t>
-            </a:r>
-            <a:endParaRPr lang="en-150" b="0" i="0" dirty="0">
-              <a:solidFill>
-                <a:srgbClr val="1F1F1F"/>
-              </a:solidFill>
+            <a:endParaRPr lang="en-150" sz="1800" b="0" i="0" dirty="0">
               <a:effectLst/>
               <a:latin typeface="Google Sans"/>
             </a:endParaRPr>
@@ -17652,102 +18584,10 @@
               <a:buFont typeface="Arial" panose="020B0604020202020204" pitchFamily="34" charset="0"/>
               <a:buChar char="•"/>
             </a:pPr>
-            <a:endParaRPr lang="en-150" dirty="0">
-              <a:solidFill>
-                <a:srgbClr val="1F1F1F"/>
-              </a:solidFill>
-              <a:latin typeface="Google Sans"/>
-            </a:endParaRPr>
-          </a:p>
-          <a:p>
-            <a:pPr marL="285750" indent="-285750">
-              <a:buFont typeface="Arial" panose="020B0604020202020204" pitchFamily="34" charset="0"/>
-              <a:buChar char="•"/>
-            </a:pPr>
-            <a:r>
-              <a:rPr lang="en-GB" b="0" i="0" dirty="0">
-                <a:solidFill>
-                  <a:srgbClr val="1F1F1F"/>
-                </a:solidFill>
-                <a:effectLst/>
-                <a:latin typeface="Google Sans"/>
-              </a:rPr>
-              <a:t>Improve Technical Standards in a specific sector/entities</a:t>
-            </a:r>
-            <a:endParaRPr lang="en-150" b="0" i="0" dirty="0">
-              <a:solidFill>
-                <a:srgbClr val="1F1F1F"/>
-              </a:solidFill>
+            <a:endParaRPr lang="en-150" sz="1800" b="0" i="0" dirty="0">
               <a:effectLst/>
               <a:latin typeface="Google Sans"/>
             </a:endParaRPr>
-          </a:p>
-          <a:p>
-            <a:pPr marL="285750" indent="-285750">
-              <a:buFont typeface="Arial" panose="020B0604020202020204" pitchFamily="34" charset="0"/>
-              <a:buChar char="•"/>
-            </a:pPr>
-            <a:endParaRPr lang="en-150" dirty="0">
-              <a:solidFill>
-                <a:srgbClr val="1F1F1F"/>
-              </a:solidFill>
-              <a:latin typeface="Google Sans"/>
-            </a:endParaRPr>
-          </a:p>
-          <a:p>
-            <a:pPr marL="285750" indent="-285750">
-              <a:buFont typeface="Arial" panose="020B0604020202020204" pitchFamily="34" charset="0"/>
-              <a:buChar char="•"/>
-            </a:pPr>
-            <a:r>
-              <a:rPr lang="en-GB" b="0" i="0" dirty="0">
-                <a:solidFill>
-                  <a:srgbClr val="1F1F1F"/>
-                </a:solidFill>
-                <a:effectLst/>
-                <a:latin typeface="Google Sans"/>
-              </a:rPr>
-              <a:t>New profession recognized/ More professionals in the workforce</a:t>
-            </a:r>
-          </a:p>
-          <a:p>
-            <a:pPr marL="285750" indent="-285750">
-              <a:buFont typeface="Arial" panose="020B0604020202020204" pitchFamily="34" charset="0"/>
-              <a:buChar char="•"/>
-            </a:pPr>
-            <a:endParaRPr lang="en-GB" dirty="0">
-              <a:solidFill>
-                <a:srgbClr val="1F1F1F"/>
-              </a:solidFill>
-              <a:latin typeface="Google Sans"/>
-            </a:endParaRPr>
-          </a:p>
-          <a:p>
-            <a:pPr marL="285750" indent="-285750">
-              <a:buFont typeface="Arial" panose="020B0604020202020204" pitchFamily="34" charset="0"/>
-              <a:buChar char="•"/>
-            </a:pPr>
-            <a:r>
-              <a:rPr lang="en-GB" sz="1800" dirty="0"/>
-              <a:t>Produced ne</a:t>
-            </a:r>
-            <a:r>
-              <a:rPr lang="en-150" sz="1800" dirty="0"/>
-              <a:t>w</a:t>
-            </a:r>
-            <a:r>
-              <a:rPr lang="en-GB" sz="1800" dirty="0"/>
-              <a:t> data/ increased understanding</a:t>
-            </a:r>
-          </a:p>
-          <a:p>
-            <a:endParaRPr lang="en-150" dirty="0"/>
-          </a:p>
-          <a:p>
-            <a:endParaRPr lang="en-150" dirty="0"/>
-          </a:p>
-          <a:p>
-            <a:endParaRPr lang="en-GB" dirty="0"/>
           </a:p>
         </p:txBody>
       </p:sp>

--- a/report/food/SCHEMA TOC Food  Agric.pptx
+++ b/report/food/SCHEMA TOC Food  Agric.pptx
@@ -6001,7 +6001,7 @@
           <a:p>
             <a:fld id="{36C0D9FE-4463-4FE4-ABAF-0BC3587BD6D7}" type="datetimeFigureOut">
               <a:rPr lang="en-GB" smtClean="0"/>
-              <a:t>19/03/2024</a:t>
+              <a:t>26/03/2024</a:t>
             </a:fld>
             <a:endParaRPr lang="en-GB"/>
           </a:p>
@@ -6201,7 +6201,7 @@
           <a:p>
             <a:fld id="{36C0D9FE-4463-4FE4-ABAF-0BC3587BD6D7}" type="datetimeFigureOut">
               <a:rPr lang="en-GB" smtClean="0"/>
-              <a:t>19/03/2024</a:t>
+              <a:t>26/03/2024</a:t>
             </a:fld>
             <a:endParaRPr lang="en-GB"/>
           </a:p>
@@ -6411,7 +6411,7 @@
           <a:p>
             <a:fld id="{36C0D9FE-4463-4FE4-ABAF-0BC3587BD6D7}" type="datetimeFigureOut">
               <a:rPr lang="en-GB" smtClean="0"/>
-              <a:t>19/03/2024</a:t>
+              <a:t>26/03/2024</a:t>
             </a:fld>
             <a:endParaRPr lang="en-GB"/>
           </a:p>
@@ -6611,7 +6611,7 @@
           <a:p>
             <a:fld id="{36C0D9FE-4463-4FE4-ABAF-0BC3587BD6D7}" type="datetimeFigureOut">
               <a:rPr lang="en-GB" smtClean="0"/>
-              <a:t>19/03/2024</a:t>
+              <a:t>26/03/2024</a:t>
             </a:fld>
             <a:endParaRPr lang="en-GB"/>
           </a:p>
@@ -6887,7 +6887,7 @@
           <a:p>
             <a:fld id="{36C0D9FE-4463-4FE4-ABAF-0BC3587BD6D7}" type="datetimeFigureOut">
               <a:rPr lang="en-GB" smtClean="0"/>
-              <a:t>19/03/2024</a:t>
+              <a:t>26/03/2024</a:t>
             </a:fld>
             <a:endParaRPr lang="en-GB"/>
           </a:p>
@@ -7155,7 +7155,7 @@
           <a:p>
             <a:fld id="{36C0D9FE-4463-4FE4-ABAF-0BC3587BD6D7}" type="datetimeFigureOut">
               <a:rPr lang="en-GB" smtClean="0"/>
-              <a:t>19/03/2024</a:t>
+              <a:t>26/03/2024</a:t>
             </a:fld>
             <a:endParaRPr lang="en-GB"/>
           </a:p>
@@ -7570,7 +7570,7 @@
           <a:p>
             <a:fld id="{36C0D9FE-4463-4FE4-ABAF-0BC3587BD6D7}" type="datetimeFigureOut">
               <a:rPr lang="en-GB" smtClean="0"/>
-              <a:t>19/03/2024</a:t>
+              <a:t>26/03/2024</a:t>
             </a:fld>
             <a:endParaRPr lang="en-GB"/>
           </a:p>
@@ -7712,7 +7712,7 @@
           <a:p>
             <a:fld id="{36C0D9FE-4463-4FE4-ABAF-0BC3587BD6D7}" type="datetimeFigureOut">
               <a:rPr lang="en-GB" smtClean="0"/>
-              <a:t>19/03/2024</a:t>
+              <a:t>26/03/2024</a:t>
             </a:fld>
             <a:endParaRPr lang="en-GB"/>
           </a:p>
@@ -7825,7 +7825,7 @@
           <a:p>
             <a:fld id="{36C0D9FE-4463-4FE4-ABAF-0BC3587BD6D7}" type="datetimeFigureOut">
               <a:rPr lang="en-GB" smtClean="0"/>
-              <a:t>19/03/2024</a:t>
+              <a:t>26/03/2024</a:t>
             </a:fld>
             <a:endParaRPr lang="en-GB"/>
           </a:p>
@@ -8138,7 +8138,7 @@
           <a:p>
             <a:fld id="{36C0D9FE-4463-4FE4-ABAF-0BC3587BD6D7}" type="datetimeFigureOut">
               <a:rPr lang="en-GB" smtClean="0"/>
-              <a:t>19/03/2024</a:t>
+              <a:t>26/03/2024</a:t>
             </a:fld>
             <a:endParaRPr lang="en-GB"/>
           </a:p>
@@ -8427,7 +8427,7 @@
           <a:p>
             <a:fld id="{36C0D9FE-4463-4FE4-ABAF-0BC3587BD6D7}" type="datetimeFigureOut">
               <a:rPr lang="en-GB" smtClean="0"/>
-              <a:t>19/03/2024</a:t>
+              <a:t>26/03/2024</a:t>
             </a:fld>
             <a:endParaRPr lang="en-GB"/>
           </a:p>
@@ -8670,7 +8670,7 @@
           <a:p>
             <a:fld id="{36C0D9FE-4463-4FE4-ABAF-0BC3587BD6D7}" type="datetimeFigureOut">
               <a:rPr lang="en-GB" smtClean="0"/>
-              <a:t>19/03/2024</a:t>
+              <a:t>26/03/2024</a:t>
             </a:fld>
             <a:endParaRPr lang="en-GB"/>
           </a:p>
@@ -10592,7 +10592,7 @@
         </p:nvSpPr>
         <p:spPr>
           <a:xfrm>
-            <a:off x="7208946" y="54556"/>
+            <a:off x="7189315" y="37814"/>
             <a:ext cx="4407675" cy="369332"/>
           </a:xfrm>
           <a:prstGeom prst="rect">
@@ -10610,6 +10610,18 @@
             <a:r>
               <a:rPr lang="en-150" dirty="0"/>
               <a:t>Impact</a:t>
+            </a:r>
+            <a:r>
+              <a:rPr lang="es-ES" dirty="0"/>
+              <a:t> (</a:t>
+            </a:r>
+            <a:r>
+              <a:rPr lang="es-ES" dirty="0" err="1"/>
+              <a:t>relevance</a:t>
+            </a:r>
+            <a:r>
+              <a:rPr lang="es-ES" dirty="0"/>
+              <a:t>)</a:t>
             </a:r>
             <a:endParaRPr lang="en-GB" dirty="0"/>
           </a:p>
